--- a/Document/전국용 학생앱.pptx
+++ b/Document/전국용 학생앱.pptx
@@ -21,11 +21,12 @@
     <p:sldId id="277" r:id="rId15"/>
     <p:sldId id="278" r:id="rId16"/>
     <p:sldId id="280" r:id="rId17"/>
-    <p:sldId id="281" r:id="rId18"/>
-    <p:sldId id="282" r:id="rId19"/>
-    <p:sldId id="283" r:id="rId20"/>
-    <p:sldId id="284" r:id="rId21"/>
-    <p:sldId id="285" r:id="rId22"/>
+    <p:sldId id="286" r:id="rId18"/>
+    <p:sldId id="281" r:id="rId19"/>
+    <p:sldId id="282" r:id="rId20"/>
+    <p:sldId id="283" r:id="rId21"/>
+    <p:sldId id="284" r:id="rId22"/>
+    <p:sldId id="285" r:id="rId23"/>
   </p:sldIdLst>
   <p:sldSz cx="12192000" cy="6858000"/>
   <p:notesSz cx="6858000" cy="9144000"/>
@@ -130,6 +131,10 @@
     </p:ext>
   </p:extLst>
 </p:presentation>
+</file>
+
+<file path=ppt/revisionInfo.xml><?xml version="1.0" encoding="utf-8"?>
+<p1510:revInfo xmlns:a="http://schemas.openxmlformats.org/drawingml/2006/main" xmlns:r="http://schemas.openxmlformats.org/officeDocument/2006/relationships" xmlns:p1510="http://schemas.microsoft.com/office/powerpoint/2015/10/main"/>
 </file>
 
 <file path=ppt/charts/chart1.xml><?xml version="1.0" encoding="utf-8"?>
@@ -4224,7 +4229,7 @@
           <a:p>
             <a:fld id="{267F33A0-FDED-4EAD-AD73-90C806E651C6}" type="datetimeFigureOut">
               <a:rPr lang="ko-KR" altLang="en-US" smtClean="0"/>
-              <a:t>2017-07-27</a:t>
+              <a:t>2017-08-13</a:t>
             </a:fld>
             <a:endParaRPr lang="ko-KR" altLang="en-US"/>
           </a:p>
@@ -4392,7 +4397,7 @@
           <a:p>
             <a:fld id="{267F33A0-FDED-4EAD-AD73-90C806E651C6}" type="datetimeFigureOut">
               <a:rPr lang="ko-KR" altLang="en-US" smtClean="0"/>
-              <a:t>2017-07-27</a:t>
+              <a:t>2017-08-13</a:t>
             </a:fld>
             <a:endParaRPr lang="ko-KR" altLang="en-US"/>
           </a:p>
@@ -4570,7 +4575,7 @@
           <a:p>
             <a:fld id="{267F33A0-FDED-4EAD-AD73-90C806E651C6}" type="datetimeFigureOut">
               <a:rPr lang="ko-KR" altLang="en-US" smtClean="0"/>
-              <a:t>2017-07-27</a:t>
+              <a:t>2017-08-13</a:t>
             </a:fld>
             <a:endParaRPr lang="ko-KR" altLang="en-US"/>
           </a:p>
@@ -4738,7 +4743,7 @@
           <a:p>
             <a:fld id="{267F33A0-FDED-4EAD-AD73-90C806E651C6}" type="datetimeFigureOut">
               <a:rPr lang="ko-KR" altLang="en-US" smtClean="0"/>
-              <a:t>2017-07-27</a:t>
+              <a:t>2017-08-13</a:t>
             </a:fld>
             <a:endParaRPr lang="ko-KR" altLang="en-US"/>
           </a:p>
@@ -4983,7 +4988,7 @@
           <a:p>
             <a:fld id="{267F33A0-FDED-4EAD-AD73-90C806E651C6}" type="datetimeFigureOut">
               <a:rPr lang="ko-KR" altLang="en-US" smtClean="0"/>
-              <a:t>2017-07-27</a:t>
+              <a:t>2017-08-13</a:t>
             </a:fld>
             <a:endParaRPr lang="ko-KR" altLang="en-US"/>
           </a:p>
@@ -5212,7 +5217,7 @@
           <a:p>
             <a:fld id="{267F33A0-FDED-4EAD-AD73-90C806E651C6}" type="datetimeFigureOut">
               <a:rPr lang="ko-KR" altLang="en-US" smtClean="0"/>
-              <a:t>2017-07-27</a:t>
+              <a:t>2017-08-13</a:t>
             </a:fld>
             <a:endParaRPr lang="ko-KR" altLang="en-US"/>
           </a:p>
@@ -5576,7 +5581,7 @@
           <a:p>
             <a:fld id="{267F33A0-FDED-4EAD-AD73-90C806E651C6}" type="datetimeFigureOut">
               <a:rPr lang="ko-KR" altLang="en-US" smtClean="0"/>
-              <a:t>2017-07-27</a:t>
+              <a:t>2017-08-13</a:t>
             </a:fld>
             <a:endParaRPr lang="ko-KR" altLang="en-US"/>
           </a:p>
@@ -5693,7 +5698,7 @@
           <a:p>
             <a:fld id="{267F33A0-FDED-4EAD-AD73-90C806E651C6}" type="datetimeFigureOut">
               <a:rPr lang="ko-KR" altLang="en-US" smtClean="0"/>
-              <a:t>2017-07-27</a:t>
+              <a:t>2017-08-13</a:t>
             </a:fld>
             <a:endParaRPr lang="ko-KR" altLang="en-US"/>
           </a:p>
@@ -5788,7 +5793,7 @@
           <a:p>
             <a:fld id="{267F33A0-FDED-4EAD-AD73-90C806E651C6}" type="datetimeFigureOut">
               <a:rPr lang="ko-KR" altLang="en-US" smtClean="0"/>
-              <a:t>2017-07-27</a:t>
+              <a:t>2017-08-13</a:t>
             </a:fld>
             <a:endParaRPr lang="ko-KR" altLang="en-US"/>
           </a:p>
@@ -6063,7 +6068,7 @@
           <a:p>
             <a:fld id="{267F33A0-FDED-4EAD-AD73-90C806E651C6}" type="datetimeFigureOut">
               <a:rPr lang="ko-KR" altLang="en-US" smtClean="0"/>
-              <a:t>2017-07-27</a:t>
+              <a:t>2017-08-13</a:t>
             </a:fld>
             <a:endParaRPr lang="ko-KR" altLang="en-US"/>
           </a:p>
@@ -6315,7 +6320,7 @@
           <a:p>
             <a:fld id="{267F33A0-FDED-4EAD-AD73-90C806E651C6}" type="datetimeFigureOut">
               <a:rPr lang="ko-KR" altLang="en-US" smtClean="0"/>
-              <a:t>2017-07-27</a:t>
+              <a:t>2017-08-13</a:t>
             </a:fld>
             <a:endParaRPr lang="ko-KR" altLang="en-US"/>
           </a:p>
@@ -6526,7 +6531,7 @@
           <a:p>
             <a:fld id="{267F33A0-FDED-4EAD-AD73-90C806E651C6}" type="datetimeFigureOut">
               <a:rPr lang="ko-KR" altLang="en-US" smtClean="0"/>
-              <a:t>2017-07-27</a:t>
+              <a:t>2017-08-13</a:t>
             </a:fld>
             <a:endParaRPr lang="ko-KR" altLang="en-US"/>
           </a:p>
@@ -14986,8 +14991,8 @@
         </p:nvSpPr>
         <p:spPr>
           <a:xfrm>
-            <a:off x="271024" y="6150119"/>
-            <a:ext cx="1667619" cy="525517"/>
+            <a:off x="271025" y="6150119"/>
+            <a:ext cx="1105680" cy="525517"/>
           </a:xfrm>
           <a:prstGeom prst="rect">
             <a:avLst/>
@@ -15039,8 +15044,8 @@
         </p:nvSpPr>
         <p:spPr>
           <a:xfrm>
-            <a:off x="2837080" y="6129098"/>
-            <a:ext cx="1667619" cy="525517"/>
+            <a:off x="1795971" y="6150118"/>
+            <a:ext cx="1176804" cy="525517"/>
           </a:xfrm>
           <a:prstGeom prst="rect">
             <a:avLst/>
@@ -15175,6 +15180,56 @@
                 <a:srgbClr val="FF0000"/>
               </a:solidFill>
             </a:endParaRPr>
+          </a:p>
+        </p:txBody>
+      </p:sp>
+      <p:sp>
+        <p:nvSpPr>
+          <p:cNvPr id="24" name="직사각형 23">
+            <a:hlinkClick r:id="rId7" action="ppaction://hlinksldjump"/>
+            <a:extLst>
+              <a:ext uri="{FF2B5EF4-FFF2-40B4-BE49-F238E27FC236}">
+                <a16:creationId xmlns:a16="http://schemas.microsoft.com/office/drawing/2014/main" id="{16A0FD29-B1FB-4FE2-AD8C-4C6A84EBB9BB}"/>
+              </a:ext>
+            </a:extLst>
+          </p:cNvPr>
+          <p:cNvSpPr/>
+          <p:nvPr/>
+        </p:nvSpPr>
+        <p:spPr>
+          <a:xfrm>
+            <a:off x="3425482" y="6150118"/>
+            <a:ext cx="1176804" cy="525517"/>
+          </a:xfrm>
+          <a:prstGeom prst="rect">
+            <a:avLst/>
+          </a:prstGeom>
+        </p:spPr>
+        <p:style>
+          <a:lnRef idx="2">
+            <a:schemeClr val="accent1">
+              <a:shade val="50000"/>
+            </a:schemeClr>
+          </a:lnRef>
+          <a:fillRef idx="1">
+            <a:schemeClr val="accent1"/>
+          </a:fillRef>
+          <a:effectRef idx="0">
+            <a:schemeClr val="accent1"/>
+          </a:effectRef>
+          <a:fontRef idx="minor">
+            <a:schemeClr val="lt1"/>
+          </a:fontRef>
+        </p:style>
+        <p:txBody>
+          <a:bodyPr rtlCol="0" anchor="ctr"/>
+          <a:lstStyle/>
+          <a:p>
+            <a:pPr algn="ctr"/>
+            <a:r>
+              <a:rPr lang="ko-KR" altLang="en-US" dirty="0"/>
+              <a:t>정규분포</a:t>
+            </a:r>
           </a:p>
         </p:txBody>
       </p:sp>
@@ -16202,8 +16257,8 @@
         </p:nvSpPr>
         <p:spPr>
           <a:xfrm>
-            <a:off x="271024" y="6150119"/>
-            <a:ext cx="1667619" cy="525517"/>
+            <a:off x="271025" y="6150119"/>
+            <a:ext cx="1105680" cy="525517"/>
           </a:xfrm>
           <a:prstGeom prst="rect">
             <a:avLst/>
@@ -16251,8 +16306,8 @@
         </p:nvSpPr>
         <p:spPr>
           <a:xfrm>
-            <a:off x="2837080" y="6129098"/>
-            <a:ext cx="1667619" cy="525517"/>
+            <a:off x="1778039" y="6150119"/>
+            <a:ext cx="1176804" cy="525517"/>
           </a:xfrm>
           <a:prstGeom prst="rect">
             <a:avLst/>
@@ -16421,6 +16476,56 @@
           </a:p>
         </p:txBody>
       </p:sp>
+      <p:sp>
+        <p:nvSpPr>
+          <p:cNvPr id="40" name="직사각형 39">
+            <a:hlinkClick r:id="rId7" action="ppaction://hlinksldjump"/>
+            <a:extLst>
+              <a:ext uri="{FF2B5EF4-FFF2-40B4-BE49-F238E27FC236}">
+                <a16:creationId xmlns:a16="http://schemas.microsoft.com/office/drawing/2014/main" id="{74E362FA-9EA7-4002-B9D2-03AB42D83CF9}"/>
+              </a:ext>
+            </a:extLst>
+          </p:cNvPr>
+          <p:cNvSpPr/>
+          <p:nvPr/>
+        </p:nvSpPr>
+        <p:spPr>
+          <a:xfrm>
+            <a:off x="3425482" y="6150118"/>
+            <a:ext cx="1176804" cy="525517"/>
+          </a:xfrm>
+          <a:prstGeom prst="rect">
+            <a:avLst/>
+          </a:prstGeom>
+        </p:spPr>
+        <p:style>
+          <a:lnRef idx="2">
+            <a:schemeClr val="accent1">
+              <a:shade val="50000"/>
+            </a:schemeClr>
+          </a:lnRef>
+          <a:fillRef idx="1">
+            <a:schemeClr val="accent1"/>
+          </a:fillRef>
+          <a:effectRef idx="0">
+            <a:schemeClr val="accent1"/>
+          </a:effectRef>
+          <a:fontRef idx="minor">
+            <a:schemeClr val="lt1"/>
+          </a:fontRef>
+        </p:style>
+        <p:txBody>
+          <a:bodyPr rtlCol="0" anchor="ctr"/>
+          <a:lstStyle/>
+          <a:p>
+            <a:pPr algn="ctr"/>
+            <a:r>
+              <a:rPr lang="ko-KR" altLang="en-US" dirty="0"/>
+              <a:t>정규분포</a:t>
+            </a:r>
+          </a:p>
+        </p:txBody>
+      </p:sp>
     </p:spTree>
     <p:extLst>
       <p:ext uri="{BB962C8B-B14F-4D97-AF65-F5344CB8AC3E}">
@@ -16435,6 +16540,1439 @@
 </file>
 
 <file path=ppt/slides/slide17.xml><?xml version="1.0" encoding="utf-8"?>
+<p:sld xmlns:a="http://schemas.openxmlformats.org/drawingml/2006/main" xmlns:r="http://schemas.openxmlformats.org/officeDocument/2006/relationships" xmlns:p="http://schemas.openxmlformats.org/presentationml/2006/main">
+  <p:cSld>
+    <p:spTree>
+      <p:nvGrpSpPr>
+        <p:cNvPr id="1" name=""/>
+        <p:cNvGrpSpPr/>
+        <p:nvPr/>
+      </p:nvGrpSpPr>
+      <p:grpSpPr>
+        <a:xfrm>
+          <a:off x="0" y="0"/>
+          <a:ext cx="0" cy="0"/>
+          <a:chOff x="0" y="0"/>
+          <a:chExt cx="0" cy="0"/>
+        </a:xfrm>
+      </p:grpSpPr>
+      <p:sp>
+        <p:nvSpPr>
+          <p:cNvPr id="5" name="직사각형 4">
+            <a:extLst>
+              <a:ext uri="{FF2B5EF4-FFF2-40B4-BE49-F238E27FC236}">
+                <a16:creationId xmlns:a16="http://schemas.microsoft.com/office/drawing/2014/main" id="{2DBF7C1F-37BE-464C-B288-1D83B10A0FCD}"/>
+              </a:ext>
+            </a:extLst>
+          </p:cNvPr>
+          <p:cNvSpPr/>
+          <p:nvPr/>
+        </p:nvSpPr>
+        <p:spPr>
+          <a:xfrm>
+            <a:off x="-48284" y="0"/>
+            <a:ext cx="4829452" cy="6858000"/>
+          </a:xfrm>
+          <a:prstGeom prst="rect">
+            <a:avLst/>
+          </a:prstGeom>
+          <a:ln w="57150"/>
+        </p:spPr>
+        <p:style>
+          <a:lnRef idx="2">
+            <a:schemeClr val="dk1"/>
+          </a:lnRef>
+          <a:fillRef idx="1">
+            <a:schemeClr val="lt1"/>
+          </a:fillRef>
+          <a:effectRef idx="0">
+            <a:schemeClr val="dk1"/>
+          </a:effectRef>
+          <a:fontRef idx="minor">
+            <a:schemeClr val="dk1"/>
+          </a:fontRef>
+        </p:style>
+        <p:txBody>
+          <a:bodyPr rtlCol="0" anchor="ctr"/>
+          <a:lstStyle/>
+          <a:p>
+            <a:pPr algn="ctr"/>
+            <a:endParaRPr lang="ko-KR" altLang="en-US" dirty="0"/>
+          </a:p>
+        </p:txBody>
+      </p:sp>
+      <p:sp>
+        <p:nvSpPr>
+          <p:cNvPr id="11" name="직사각형 10">
+            <a:hlinkClick r:id="rId2" action="ppaction://hlinksldjump"/>
+            <a:extLst>
+              <a:ext uri="{FF2B5EF4-FFF2-40B4-BE49-F238E27FC236}">
+                <a16:creationId xmlns:a16="http://schemas.microsoft.com/office/drawing/2014/main" id="{0E9DA8CE-531E-4580-AF03-F0E1C9E56193}"/>
+              </a:ext>
+            </a:extLst>
+          </p:cNvPr>
+          <p:cNvSpPr/>
+          <p:nvPr/>
+        </p:nvSpPr>
+        <p:spPr>
+          <a:xfrm>
+            <a:off x="271025" y="6150119"/>
+            <a:ext cx="1105680" cy="525517"/>
+          </a:xfrm>
+          <a:prstGeom prst="rect">
+            <a:avLst/>
+          </a:prstGeom>
+        </p:spPr>
+        <p:style>
+          <a:lnRef idx="2">
+            <a:schemeClr val="accent1">
+              <a:shade val="50000"/>
+            </a:schemeClr>
+          </a:lnRef>
+          <a:fillRef idx="1">
+            <a:schemeClr val="accent1"/>
+          </a:fillRef>
+          <a:effectRef idx="0">
+            <a:schemeClr val="accent1"/>
+          </a:effectRef>
+          <a:fontRef idx="minor">
+            <a:schemeClr val="lt1"/>
+          </a:fontRef>
+        </p:style>
+        <p:txBody>
+          <a:bodyPr rtlCol="0" anchor="ctr"/>
+          <a:lstStyle/>
+          <a:p>
+            <a:pPr algn="ctr"/>
+            <a:r>
+              <a:rPr lang="ko-KR" altLang="en-US" dirty="0"/>
+              <a:t>구간</a:t>
+            </a:r>
+          </a:p>
+        </p:txBody>
+      </p:sp>
+      <p:pic>
+        <p:nvPicPr>
+          <p:cNvPr id="13" name="그림 12">
+            <a:extLst>
+              <a:ext uri="{FF2B5EF4-FFF2-40B4-BE49-F238E27FC236}">
+                <a16:creationId xmlns:a16="http://schemas.microsoft.com/office/drawing/2014/main" id="{A993E9F1-F6FC-4FFE-BFAB-3BD655855B0C}"/>
+              </a:ext>
+            </a:extLst>
+          </p:cNvPr>
+          <p:cNvPicPr>
+            <a:picLocks noChangeAspect="1"/>
+          </p:cNvPicPr>
+          <p:nvPr/>
+        </p:nvPicPr>
+        <p:blipFill rotWithShape="1">
+          <a:blip r:embed="rId3">
+            <a:extLst>
+              <a:ext uri="{28A0092B-C50C-407E-A947-70E740481C1C}">
+                <a14:useLocalDpi xmlns:a14="http://schemas.microsoft.com/office/drawing/2010/main" val="0"/>
+              </a:ext>
+              <a:ext uri="{837473B0-CC2E-450A-ABE3-18F120FF3D39}">
+                <a1611:picAttrSrcUrl xmlns:a1611="http://schemas.microsoft.com/office/drawing/2016/11/main" r:id="rId4"/>
+              </a:ext>
+            </a:extLst>
+          </a:blip>
+          <a:srcRect b="5994"/>
+          <a:stretch/>
+        </p:blipFill>
+        <p:spPr>
+          <a:xfrm>
+            <a:off x="271023" y="3045042"/>
+            <a:ext cx="4236673" cy="2432480"/>
+          </a:xfrm>
+          <a:prstGeom prst="rect">
+            <a:avLst/>
+          </a:prstGeom>
+        </p:spPr>
+      </p:pic>
+      <p:sp>
+        <p:nvSpPr>
+          <p:cNvPr id="14" name="직사각형 13">
+            <a:hlinkClick r:id="rId5" action="ppaction://hlinksldjump"/>
+            <a:extLst>
+              <a:ext uri="{FF2B5EF4-FFF2-40B4-BE49-F238E27FC236}">
+                <a16:creationId xmlns:a16="http://schemas.microsoft.com/office/drawing/2014/main" id="{A3AA5B1A-E0EC-45C2-810B-2382A96BE4DA}"/>
+              </a:ext>
+            </a:extLst>
+          </p:cNvPr>
+          <p:cNvSpPr/>
+          <p:nvPr/>
+        </p:nvSpPr>
+        <p:spPr>
+          <a:xfrm>
+            <a:off x="3225331" y="6150116"/>
+            <a:ext cx="1143661" cy="525517"/>
+          </a:xfrm>
+          <a:prstGeom prst="rect">
+            <a:avLst/>
+          </a:prstGeom>
+        </p:spPr>
+        <p:style>
+          <a:lnRef idx="2">
+            <a:schemeClr val="accent2">
+              <a:shade val="50000"/>
+            </a:schemeClr>
+          </a:lnRef>
+          <a:fillRef idx="1">
+            <a:schemeClr val="accent2"/>
+          </a:fillRef>
+          <a:effectRef idx="0">
+            <a:schemeClr val="accent2"/>
+          </a:effectRef>
+          <a:fontRef idx="minor">
+            <a:schemeClr val="lt1"/>
+          </a:fontRef>
+        </p:style>
+        <p:txBody>
+          <a:bodyPr rtlCol="0" anchor="ctr"/>
+          <a:lstStyle/>
+          <a:p>
+            <a:pPr algn="ctr"/>
+            <a:r>
+              <a:rPr lang="ko-KR" altLang="en-US" dirty="0"/>
+              <a:t>정규분포</a:t>
+            </a:r>
+          </a:p>
+        </p:txBody>
+      </p:sp>
+      <p:sp>
+        <p:nvSpPr>
+          <p:cNvPr id="15" name="직사각형 14">
+            <a:hlinkClick r:id="rId6" action="ppaction://hlinksldjump"/>
+            <a:extLst>
+              <a:ext uri="{FF2B5EF4-FFF2-40B4-BE49-F238E27FC236}">
+                <a16:creationId xmlns:a16="http://schemas.microsoft.com/office/drawing/2014/main" id="{8B9C5584-1D77-4DFF-A1D6-2D679EB04469}"/>
+              </a:ext>
+            </a:extLst>
+          </p:cNvPr>
+          <p:cNvSpPr/>
+          <p:nvPr/>
+        </p:nvSpPr>
+        <p:spPr>
+          <a:xfrm>
+            <a:off x="1786302" y="6140901"/>
+            <a:ext cx="1029431" cy="525517"/>
+          </a:xfrm>
+          <a:prstGeom prst="rect">
+            <a:avLst/>
+          </a:prstGeom>
+        </p:spPr>
+        <p:style>
+          <a:lnRef idx="2">
+            <a:schemeClr val="accent1">
+              <a:shade val="50000"/>
+            </a:schemeClr>
+          </a:lnRef>
+          <a:fillRef idx="1">
+            <a:schemeClr val="accent1"/>
+          </a:fillRef>
+          <a:effectRef idx="0">
+            <a:schemeClr val="accent1"/>
+          </a:effectRef>
+          <a:fontRef idx="minor">
+            <a:schemeClr val="lt1"/>
+          </a:fontRef>
+        </p:style>
+        <p:txBody>
+          <a:bodyPr rtlCol="0" anchor="ctr"/>
+          <a:lstStyle/>
+          <a:p>
+            <a:pPr algn="ctr"/>
+            <a:r>
+              <a:rPr lang="ko-KR" altLang="en-US" dirty="0"/>
+              <a:t>누적</a:t>
+            </a:r>
+          </a:p>
+        </p:txBody>
+      </p:sp>
+      <p:sp>
+        <p:nvSpPr>
+          <p:cNvPr id="16" name="별: 꼭짓점 5개 15">
+            <a:extLst>
+              <a:ext uri="{FF2B5EF4-FFF2-40B4-BE49-F238E27FC236}">
+                <a16:creationId xmlns:a16="http://schemas.microsoft.com/office/drawing/2014/main" id="{5D91244B-8A38-4C35-B54A-721421CD4370}"/>
+              </a:ext>
+            </a:extLst>
+          </p:cNvPr>
+          <p:cNvSpPr/>
+          <p:nvPr/>
+        </p:nvSpPr>
+        <p:spPr>
+          <a:xfrm>
+            <a:off x="3160450" y="5015883"/>
+            <a:ext cx="159799" cy="168676"/>
+          </a:xfrm>
+          <a:prstGeom prst="star5">
+            <a:avLst/>
+          </a:prstGeom>
+        </p:spPr>
+        <p:style>
+          <a:lnRef idx="2">
+            <a:schemeClr val="accent1">
+              <a:shade val="50000"/>
+            </a:schemeClr>
+          </a:lnRef>
+          <a:fillRef idx="1">
+            <a:schemeClr val="accent1"/>
+          </a:fillRef>
+          <a:effectRef idx="0">
+            <a:schemeClr val="accent1"/>
+          </a:effectRef>
+          <a:fontRef idx="minor">
+            <a:schemeClr val="lt1"/>
+          </a:fontRef>
+        </p:style>
+        <p:txBody>
+          <a:bodyPr rtlCol="0" anchor="ctr"/>
+          <a:lstStyle/>
+          <a:p>
+            <a:pPr algn="ctr"/>
+            <a:endParaRPr lang="ko-KR" altLang="en-US"/>
+          </a:p>
+        </p:txBody>
+      </p:sp>
+      <p:sp>
+        <p:nvSpPr>
+          <p:cNvPr id="17" name="직사각형 16">
+            <a:extLst>
+              <a:ext uri="{FF2B5EF4-FFF2-40B4-BE49-F238E27FC236}">
+                <a16:creationId xmlns:a16="http://schemas.microsoft.com/office/drawing/2014/main" id="{1C4A1701-DDC1-4F2A-AF44-19F940AC1531}"/>
+              </a:ext>
+            </a:extLst>
+          </p:cNvPr>
+          <p:cNvSpPr/>
+          <p:nvPr/>
+        </p:nvSpPr>
+        <p:spPr>
+          <a:xfrm>
+            <a:off x="746745" y="5454477"/>
+            <a:ext cx="3108543" cy="369332"/>
+          </a:xfrm>
+          <a:prstGeom prst="rect">
+            <a:avLst/>
+          </a:prstGeom>
+          <a:noFill/>
+        </p:spPr>
+        <p:txBody>
+          <a:bodyPr wrap="none" lIns="91440" tIns="45720" rIns="91440" bIns="45720">
+            <a:spAutoFit/>
+          </a:bodyPr>
+          <a:lstStyle/>
+          <a:p>
+            <a:pPr algn="ctr"/>
+            <a:r>
+              <a:rPr lang="ko-KR" altLang="en-US" b="0" cap="none" spc="0" dirty="0">
+                <a:ln w="0"/>
+                <a:solidFill>
+                  <a:schemeClr val="accent1"/>
+                </a:solidFill>
+                <a:effectLst>
+                  <a:outerShdw blurRad="38100" dist="25400" dir="5400000" algn="ctr" rotWithShape="0">
+                    <a:srgbClr val="6E747A">
+                      <a:alpha val="43000"/>
+                    </a:srgbClr>
+                  </a:outerShdw>
+                </a:effectLst>
+              </a:rPr>
+              <a:t>나의 기록은 상위 </a:t>
+            </a:r>
+            <a:r>
+              <a:rPr lang="en-US" altLang="ko-KR" b="0" cap="none" spc="0" dirty="0">
+                <a:ln w="0"/>
+                <a:solidFill>
+                  <a:schemeClr val="accent1"/>
+                </a:solidFill>
+                <a:effectLst>
+                  <a:outerShdw blurRad="38100" dist="25400" dir="5400000" algn="ctr" rotWithShape="0">
+                    <a:srgbClr val="6E747A">
+                      <a:alpha val="43000"/>
+                    </a:srgbClr>
+                  </a:outerShdw>
+                </a:effectLst>
+              </a:rPr>
+              <a:t>4%</a:t>
+            </a:r>
+            <a:r>
+              <a:rPr lang="ko-KR" altLang="en-US" b="0" cap="none" spc="0" dirty="0">
+                <a:ln w="0"/>
+                <a:solidFill>
+                  <a:schemeClr val="accent1"/>
+                </a:solidFill>
+                <a:effectLst>
+                  <a:outerShdw blurRad="38100" dist="25400" dir="5400000" algn="ctr" rotWithShape="0">
+                    <a:srgbClr val="6E747A">
+                      <a:alpha val="43000"/>
+                    </a:srgbClr>
+                  </a:outerShdw>
+                </a:effectLst>
+              </a:rPr>
+              <a:t>입니다</a:t>
+            </a:r>
+            <a:r>
+              <a:rPr lang="en-US" altLang="ko-KR" b="0" cap="none" spc="0" dirty="0">
+                <a:ln w="0"/>
+                <a:solidFill>
+                  <a:schemeClr val="accent1"/>
+                </a:solidFill>
+                <a:effectLst>
+                  <a:outerShdw blurRad="38100" dist="25400" dir="5400000" algn="ctr" rotWithShape="0">
+                    <a:srgbClr val="6E747A">
+                      <a:alpha val="43000"/>
+                    </a:srgbClr>
+                  </a:outerShdw>
+                </a:effectLst>
+              </a:rPr>
+              <a:t>.</a:t>
+            </a:r>
+          </a:p>
+        </p:txBody>
+      </p:sp>
+      <p:sp>
+        <p:nvSpPr>
+          <p:cNvPr id="29" name="직사각형 28">
+            <a:extLst>
+              <a:ext uri="{FF2B5EF4-FFF2-40B4-BE49-F238E27FC236}">
+                <a16:creationId xmlns:a16="http://schemas.microsoft.com/office/drawing/2014/main" id="{DE2E1C9F-64FA-4A01-BD50-267F99132DF9}"/>
+              </a:ext>
+            </a:extLst>
+          </p:cNvPr>
+          <p:cNvSpPr/>
+          <p:nvPr/>
+        </p:nvSpPr>
+        <p:spPr>
+          <a:xfrm>
+            <a:off x="815573" y="1242799"/>
+            <a:ext cx="3198311" cy="923330"/>
+          </a:xfrm>
+          <a:prstGeom prst="rect">
+            <a:avLst/>
+          </a:prstGeom>
+          <a:noFill/>
+        </p:spPr>
+        <p:txBody>
+          <a:bodyPr wrap="none" lIns="91440" tIns="45720" rIns="91440" bIns="45720">
+            <a:spAutoFit/>
+          </a:bodyPr>
+          <a:lstStyle/>
+          <a:p>
+            <a:pPr algn="ctr"/>
+            <a:r>
+              <a:rPr lang="ko-KR" altLang="en-US" sz="5400" b="1" cap="none" spc="0" dirty="0">
+                <a:ln w="13462">
+                  <a:solidFill>
+                    <a:schemeClr val="bg1"/>
+                  </a:solidFill>
+                  <a:prstDash val="solid"/>
+                </a:ln>
+                <a:solidFill>
+                  <a:schemeClr val="tx1">
+                    <a:lumMod val="85000"/>
+                    <a:lumOff val="15000"/>
+                  </a:schemeClr>
+                </a:solidFill>
+                <a:effectLst>
+                  <a:outerShdw dist="38100" dir="2700000" algn="bl" rotWithShape="0">
+                    <a:schemeClr val="accent5"/>
+                  </a:outerShdw>
+                </a:effectLst>
+              </a:rPr>
+              <a:t>나의 기록</a:t>
+            </a:r>
+            <a:endParaRPr lang="en-US" altLang="ko-KR" sz="5400" b="0" cap="none" spc="0" dirty="0">
+              <a:ln w="0"/>
+              <a:solidFill>
+                <a:schemeClr val="tx1"/>
+              </a:solidFill>
+              <a:effectLst>
+                <a:outerShdw blurRad="38100" dist="19050" dir="2700000" algn="tl" rotWithShape="0">
+                  <a:schemeClr val="dk1">
+                    <a:alpha val="40000"/>
+                  </a:schemeClr>
+                </a:outerShdw>
+              </a:effectLst>
+            </a:endParaRPr>
+          </a:p>
+        </p:txBody>
+      </p:sp>
+      <p:grpSp>
+        <p:nvGrpSpPr>
+          <p:cNvPr id="30" name="그룹 29">
+            <a:extLst>
+              <a:ext uri="{FF2B5EF4-FFF2-40B4-BE49-F238E27FC236}">
+                <a16:creationId xmlns:a16="http://schemas.microsoft.com/office/drawing/2014/main" id="{769E07E2-B54E-4DC6-8D29-C309E53B0874}"/>
+              </a:ext>
+            </a:extLst>
+          </p:cNvPr>
+          <p:cNvGrpSpPr/>
+          <p:nvPr/>
+        </p:nvGrpSpPr>
+        <p:grpSpPr>
+          <a:xfrm>
+            <a:off x="215109" y="170077"/>
+            <a:ext cx="1799555" cy="973193"/>
+            <a:chOff x="215109" y="-22544"/>
+            <a:chExt cx="3836270" cy="2069303"/>
+          </a:xfrm>
+        </p:grpSpPr>
+        <p:grpSp>
+          <p:nvGrpSpPr>
+            <p:cNvPr id="31" name="그룹 30">
+              <a:extLst>
+                <a:ext uri="{FF2B5EF4-FFF2-40B4-BE49-F238E27FC236}">
+                  <a16:creationId xmlns:a16="http://schemas.microsoft.com/office/drawing/2014/main" id="{C60D6E12-8EEB-4A6C-9559-158D6100AA40}"/>
+                </a:ext>
+              </a:extLst>
+            </p:cNvPr>
+            <p:cNvGrpSpPr/>
+            <p:nvPr/>
+          </p:nvGrpSpPr>
+          <p:grpSpPr>
+            <a:xfrm>
+              <a:off x="1532247" y="-22544"/>
+              <a:ext cx="2519132" cy="2069303"/>
+              <a:chOff x="567466" y="-76730"/>
+              <a:chExt cx="2519132" cy="2069303"/>
+            </a:xfrm>
+          </p:grpSpPr>
+          <p:grpSp>
+            <p:nvGrpSpPr>
+              <p:cNvPr id="36" name="그룹 35">
+                <a:extLst>
+                  <a:ext uri="{FF2B5EF4-FFF2-40B4-BE49-F238E27FC236}">
+                    <a16:creationId xmlns:a16="http://schemas.microsoft.com/office/drawing/2014/main" id="{E5690CC4-2433-462D-8B8C-F0DCBF69A7B9}"/>
+                  </a:ext>
+                </a:extLst>
+              </p:cNvPr>
+              <p:cNvGrpSpPr/>
+              <p:nvPr/>
+            </p:nvGrpSpPr>
+            <p:grpSpPr>
+              <a:xfrm>
+                <a:off x="567466" y="880049"/>
+                <a:ext cx="2519132" cy="1112524"/>
+                <a:chOff x="1277679" y="1013745"/>
+                <a:chExt cx="2519132" cy="1112524"/>
+              </a:xfrm>
+            </p:grpSpPr>
+            <p:sp>
+              <p:nvSpPr>
+                <p:cNvPr id="38" name="직사각형 37">
+                  <a:extLst>
+                    <a:ext uri="{FF2B5EF4-FFF2-40B4-BE49-F238E27FC236}">
+                      <a16:creationId xmlns:a16="http://schemas.microsoft.com/office/drawing/2014/main" id="{7B0166E0-4BFB-4217-8B4E-9025EA1350D2}"/>
+                    </a:ext>
+                  </a:extLst>
+                </p:cNvPr>
+                <p:cNvSpPr/>
+                <p:nvPr/>
+              </p:nvSpPr>
+              <p:spPr>
+                <a:xfrm>
+                  <a:off x="1277679" y="1255567"/>
+                  <a:ext cx="1159136" cy="654427"/>
+                </a:xfrm>
+                <a:prstGeom prst="rect">
+                  <a:avLst/>
+                </a:prstGeom>
+                <a:noFill/>
+              </p:spPr>
+              <p:txBody>
+                <a:bodyPr wrap="none" lIns="91440" tIns="45720" rIns="91440" bIns="45720">
+                  <a:spAutoFit/>
+                </a:bodyPr>
+                <a:lstStyle/>
+                <a:p>
+                  <a:pPr algn="ctr"/>
+                  <a:r>
+                    <a:rPr lang="ko-KR" altLang="en-US" sz="1400" dirty="0">
+                      <a:ln w="0"/>
+                      <a:effectLst>
+                        <a:outerShdw blurRad="38100" dist="19050" dir="2700000" algn="tl" rotWithShape="0">
+                          <a:schemeClr val="dk1">
+                            <a:alpha val="40000"/>
+                          </a:schemeClr>
+                        </a:outerShdw>
+                      </a:effectLst>
+                    </a:rPr>
+                    <a:t>체력</a:t>
+                  </a:r>
+                  <a:endParaRPr lang="en-US" altLang="ko-KR" sz="1400" dirty="0">
+                    <a:ln w="0"/>
+                    <a:effectLst>
+                      <a:outerShdw blurRad="38100" dist="19050" dir="2700000" algn="tl" rotWithShape="0">
+                        <a:schemeClr val="dk1">
+                          <a:alpha val="40000"/>
+                        </a:schemeClr>
+                      </a:outerShdw>
+                    </a:effectLst>
+                  </a:endParaRPr>
+                </a:p>
+              </p:txBody>
+            </p:sp>
+            <p:sp>
+              <p:nvSpPr>
+                <p:cNvPr id="39" name="직사각형 38">
+                  <a:extLst>
+                    <a:ext uri="{FF2B5EF4-FFF2-40B4-BE49-F238E27FC236}">
+                      <a16:creationId xmlns:a16="http://schemas.microsoft.com/office/drawing/2014/main" id="{A7E8D9E8-322B-4723-8335-BB15B7D257E2}"/>
+                    </a:ext>
+                  </a:extLst>
+                </p:cNvPr>
+                <p:cNvSpPr/>
+                <p:nvPr/>
+              </p:nvSpPr>
+              <p:spPr>
+                <a:xfrm>
+                  <a:off x="2325461" y="1013745"/>
+                  <a:ext cx="1471350" cy="1112524"/>
+                </a:xfrm>
+                <a:prstGeom prst="rect">
+                  <a:avLst/>
+                </a:prstGeom>
+                <a:noFill/>
+              </p:spPr>
+              <p:txBody>
+                <a:bodyPr wrap="square" lIns="91440" tIns="45720" rIns="91440" bIns="45720">
+                  <a:spAutoFit/>
+                </a:bodyPr>
+                <a:lstStyle/>
+                <a:p>
+                  <a:pPr algn="ctr"/>
+                  <a:r>
+                    <a:rPr lang="en-US" altLang="ko-KR" sz="2800" b="1" dirty="0">
+                      <a:ln w="12700" cmpd="sng">
+                        <a:solidFill>
+                          <a:schemeClr val="accent4"/>
+                        </a:solidFill>
+                        <a:prstDash val="solid"/>
+                      </a:ln>
+                      <a:gradFill>
+                        <a:gsLst>
+                          <a:gs pos="0">
+                            <a:schemeClr val="accent4"/>
+                          </a:gs>
+                          <a:gs pos="4000">
+                            <a:schemeClr val="accent4">
+                              <a:lumMod val="60000"/>
+                              <a:lumOff val="40000"/>
+                            </a:schemeClr>
+                          </a:gs>
+                          <a:gs pos="87000">
+                            <a:schemeClr val="accent4">
+                              <a:lumMod val="20000"/>
+                              <a:lumOff val="80000"/>
+                            </a:schemeClr>
+                          </a:gs>
+                        </a:gsLst>
+                        <a:lin ang="5400000"/>
+                      </a:gradFill>
+                    </a:rPr>
+                    <a:t>Up</a:t>
+                  </a:r>
+                  <a:endParaRPr lang="en-US" altLang="ko-KR" sz="2800" b="1" cap="none" spc="0" dirty="0">
+                    <a:ln w="12700" cmpd="sng">
+                      <a:solidFill>
+                        <a:schemeClr val="accent4"/>
+                      </a:solidFill>
+                      <a:prstDash val="solid"/>
+                    </a:ln>
+                    <a:gradFill>
+                      <a:gsLst>
+                        <a:gs pos="0">
+                          <a:schemeClr val="accent4"/>
+                        </a:gs>
+                        <a:gs pos="4000">
+                          <a:schemeClr val="accent4">
+                            <a:lumMod val="60000"/>
+                            <a:lumOff val="40000"/>
+                          </a:schemeClr>
+                        </a:gs>
+                        <a:gs pos="87000">
+                          <a:schemeClr val="accent4">
+                            <a:lumMod val="20000"/>
+                            <a:lumOff val="80000"/>
+                          </a:schemeClr>
+                        </a:gs>
+                      </a:gsLst>
+                      <a:lin ang="5400000"/>
+                    </a:gradFill>
+                    <a:effectLst/>
+                  </a:endParaRPr>
+                </a:p>
+              </p:txBody>
+            </p:sp>
+          </p:grpSp>
+          <p:pic>
+            <p:nvPicPr>
+              <p:cNvPr id="37" name="그림 36">
+                <a:extLst>
+                  <a:ext uri="{FF2B5EF4-FFF2-40B4-BE49-F238E27FC236}">
+                    <a16:creationId xmlns:a16="http://schemas.microsoft.com/office/drawing/2014/main" id="{FE3B3867-9C4D-4F28-AAA6-8CCA2BD7E204}"/>
+                  </a:ext>
+                </a:extLst>
+              </p:cNvPr>
+              <p:cNvPicPr>
+                <a:picLocks noChangeAspect="1"/>
+              </p:cNvPicPr>
+              <p:nvPr/>
+            </p:nvPicPr>
+            <p:blipFill>
+              <a:blip r:embed="rId7">
+                <a:extLst>
+                  <a:ext uri="{28A0092B-C50C-407E-A947-70E740481C1C}">
+                    <a14:useLocalDpi xmlns:a14="http://schemas.microsoft.com/office/drawing/2010/main" val="0"/>
+                  </a:ext>
+                </a:extLst>
+              </a:blip>
+              <a:stretch>
+                <a:fillRect/>
+              </a:stretch>
+            </p:blipFill>
+            <p:spPr>
+              <a:xfrm>
+                <a:off x="910977" y="-76730"/>
+                <a:ext cx="1085891" cy="1223538"/>
+              </a:xfrm>
+              <a:prstGeom prst="rect">
+                <a:avLst/>
+              </a:prstGeom>
+            </p:spPr>
+          </p:pic>
+        </p:grpSp>
+        <p:sp>
+          <p:nvSpPr>
+            <p:cNvPr id="32" name="TextBox 31">
+              <a:extLst>
+                <a:ext uri="{FF2B5EF4-FFF2-40B4-BE49-F238E27FC236}">
+                  <a16:creationId xmlns:a16="http://schemas.microsoft.com/office/drawing/2014/main" id="{D99493F5-6AAF-4FCF-84F8-F01F86B26533}"/>
+                </a:ext>
+              </a:extLst>
+            </p:cNvPr>
+            <p:cNvSpPr txBox="1"/>
+            <p:nvPr/>
+          </p:nvSpPr>
+          <p:spPr>
+            <a:xfrm>
+              <a:off x="215109" y="856425"/>
+              <a:ext cx="1695622" cy="654427"/>
+            </a:xfrm>
+            <a:prstGeom prst="rect">
+              <a:avLst/>
+            </a:prstGeom>
+            <a:noFill/>
+          </p:spPr>
+          <p:txBody>
+            <a:bodyPr wrap="square" rtlCol="0">
+              <a:spAutoFit/>
+            </a:bodyPr>
+            <a:lstStyle/>
+            <a:p>
+              <a:r>
+                <a:rPr lang="en-US" altLang="ko-KR" sz="1400" i="1" dirty="0">
+                  <a:effectLst>
+                    <a:outerShdw blurRad="38100" dist="38100" dir="2700000" algn="tl">
+                      <a:srgbClr val="000000">
+                        <a:alpha val="43137"/>
+                      </a:srgbClr>
+                    </a:outerShdw>
+                  </a:effectLst>
+                </a:rPr>
+                <a:t>Hi-Pass</a:t>
+              </a:r>
+              <a:endParaRPr lang="ko-KR" altLang="en-US" sz="1400" i="1" dirty="0">
+                <a:effectLst>
+                  <a:outerShdw blurRad="38100" dist="38100" dir="2700000" algn="tl">
+                    <a:srgbClr val="000000">
+                      <a:alpha val="43137"/>
+                    </a:srgbClr>
+                  </a:outerShdw>
+                </a:effectLst>
+              </a:endParaRPr>
+            </a:p>
+          </p:txBody>
+        </p:sp>
+        <p:cxnSp>
+          <p:nvCxnSpPr>
+            <p:cNvPr id="33" name="직선 연결선 32">
+              <a:extLst>
+                <a:ext uri="{FF2B5EF4-FFF2-40B4-BE49-F238E27FC236}">
+                  <a16:creationId xmlns:a16="http://schemas.microsoft.com/office/drawing/2014/main" id="{FE767BBF-32BB-45DE-A884-BA272B0F5E08}"/>
+                </a:ext>
+              </a:extLst>
+            </p:cNvPr>
+            <p:cNvCxnSpPr/>
+            <p:nvPr/>
+          </p:nvCxnSpPr>
+          <p:spPr>
+            <a:xfrm>
+              <a:off x="283776" y="437625"/>
+              <a:ext cx="1097763" cy="0"/>
+            </a:xfrm>
+            <a:prstGeom prst="line">
+              <a:avLst/>
+            </a:prstGeom>
+            <a:ln w="25400"/>
+          </p:spPr>
+          <p:style>
+            <a:lnRef idx="1">
+              <a:schemeClr val="accent1"/>
+            </a:lnRef>
+            <a:fillRef idx="0">
+              <a:schemeClr val="accent1"/>
+            </a:fillRef>
+            <a:effectRef idx="0">
+              <a:schemeClr val="accent1"/>
+            </a:effectRef>
+            <a:fontRef idx="minor">
+              <a:schemeClr val="tx1"/>
+            </a:fontRef>
+          </p:style>
+        </p:cxnSp>
+        <p:cxnSp>
+          <p:nvCxnSpPr>
+            <p:cNvPr id="34" name="직선 연결선 33">
+              <a:extLst>
+                <a:ext uri="{FF2B5EF4-FFF2-40B4-BE49-F238E27FC236}">
+                  <a16:creationId xmlns:a16="http://schemas.microsoft.com/office/drawing/2014/main" id="{D06B53FD-152F-4577-B7E9-F06F373714E3}"/>
+                </a:ext>
+              </a:extLst>
+            </p:cNvPr>
+            <p:cNvCxnSpPr/>
+            <p:nvPr/>
+          </p:nvCxnSpPr>
+          <p:spPr>
+            <a:xfrm>
+              <a:off x="488724" y="632063"/>
+              <a:ext cx="1097763" cy="0"/>
+            </a:xfrm>
+            <a:prstGeom prst="line">
+              <a:avLst/>
+            </a:prstGeom>
+            <a:ln w="25400"/>
+          </p:spPr>
+          <p:style>
+            <a:lnRef idx="1">
+              <a:schemeClr val="accent1"/>
+            </a:lnRef>
+            <a:fillRef idx="0">
+              <a:schemeClr val="accent1"/>
+            </a:fillRef>
+            <a:effectRef idx="0">
+              <a:schemeClr val="accent1"/>
+            </a:effectRef>
+            <a:fontRef idx="minor">
+              <a:schemeClr val="tx1"/>
+            </a:fontRef>
+          </p:style>
+        </p:cxnSp>
+        <p:cxnSp>
+          <p:nvCxnSpPr>
+            <p:cNvPr id="35" name="직선 연결선 34">
+              <a:extLst>
+                <a:ext uri="{FF2B5EF4-FFF2-40B4-BE49-F238E27FC236}">
+                  <a16:creationId xmlns:a16="http://schemas.microsoft.com/office/drawing/2014/main" id="{1C8450E5-9BFA-4208-BCBF-332EAEB341B1}"/>
+                </a:ext>
+              </a:extLst>
+            </p:cNvPr>
+            <p:cNvCxnSpPr/>
+            <p:nvPr/>
+          </p:nvCxnSpPr>
+          <p:spPr>
+            <a:xfrm>
+              <a:off x="651641" y="826507"/>
+              <a:ext cx="1097763" cy="0"/>
+            </a:xfrm>
+            <a:prstGeom prst="line">
+              <a:avLst/>
+            </a:prstGeom>
+            <a:ln w="25400"/>
+          </p:spPr>
+          <p:style>
+            <a:lnRef idx="1">
+              <a:schemeClr val="accent1"/>
+            </a:lnRef>
+            <a:fillRef idx="0">
+              <a:schemeClr val="accent1"/>
+            </a:fillRef>
+            <a:effectRef idx="0">
+              <a:schemeClr val="accent1"/>
+            </a:effectRef>
+            <a:fontRef idx="minor">
+              <a:schemeClr val="tx1"/>
+            </a:fontRef>
+          </p:style>
+        </p:cxnSp>
+      </p:grpSp>
+      <p:sp>
+        <p:nvSpPr>
+          <p:cNvPr id="40" name="직사각형 39">
+            <a:extLst>
+              <a:ext uri="{FF2B5EF4-FFF2-40B4-BE49-F238E27FC236}">
+                <a16:creationId xmlns:a16="http://schemas.microsoft.com/office/drawing/2014/main" id="{0036F9CA-2BB0-4BC4-B044-E7A51FD52979}"/>
+              </a:ext>
+            </a:extLst>
+          </p:cNvPr>
+          <p:cNvSpPr/>
+          <p:nvPr/>
+        </p:nvSpPr>
+        <p:spPr>
+          <a:xfrm>
+            <a:off x="24932" y="977621"/>
+            <a:ext cx="4804520" cy="400110"/>
+          </a:xfrm>
+          <a:prstGeom prst="rect">
+            <a:avLst/>
+          </a:prstGeom>
+          <a:noFill/>
+        </p:spPr>
+        <p:txBody>
+          <a:bodyPr wrap="none" lIns="91440" tIns="45720" rIns="91440" bIns="45720">
+            <a:spAutoFit/>
+          </a:bodyPr>
+          <a:lstStyle/>
+          <a:p>
+            <a:pPr algn="ctr"/>
+            <a:r>
+              <a:rPr lang="ko-KR" altLang="en-US" sz="2000" b="0" cap="none" spc="0" dirty="0">
+                <a:ln w="0"/>
+                <a:solidFill>
+                  <a:schemeClr val="accent1"/>
+                </a:solidFill>
+                <a:effectLst>
+                  <a:outerShdw blurRad="38100" dist="25400" dir="5400000" algn="ctr" rotWithShape="0">
+                    <a:srgbClr val="6E747A">
+                      <a:alpha val="43000"/>
+                    </a:srgbClr>
+                  </a:outerShdw>
+                </a:effectLst>
+              </a:rPr>
+              <a:t>양감초등학교 </a:t>
+            </a:r>
+            <a:r>
+              <a:rPr lang="en-US" altLang="ko-KR" sz="2000" b="0" cap="none" spc="0" dirty="0">
+                <a:ln w="0"/>
+                <a:solidFill>
+                  <a:schemeClr val="accent1"/>
+                </a:solidFill>
+                <a:effectLst>
+                  <a:outerShdw blurRad="38100" dist="25400" dir="5400000" algn="ctr" rotWithShape="0">
+                    <a:srgbClr val="6E747A">
+                      <a:alpha val="43000"/>
+                    </a:srgbClr>
+                  </a:outerShdw>
+                </a:effectLst>
+              </a:rPr>
+              <a:t>4</a:t>
+            </a:r>
+            <a:r>
+              <a:rPr lang="ko-KR" altLang="en-US" sz="2000" b="0" cap="none" spc="0" dirty="0">
+                <a:ln w="0"/>
+                <a:solidFill>
+                  <a:schemeClr val="accent1"/>
+                </a:solidFill>
+                <a:effectLst>
+                  <a:outerShdw blurRad="38100" dist="25400" dir="5400000" algn="ctr" rotWithShape="0">
+                    <a:srgbClr val="6E747A">
+                      <a:alpha val="43000"/>
+                    </a:srgbClr>
+                  </a:outerShdw>
+                </a:effectLst>
+              </a:rPr>
+              <a:t>학년 </a:t>
+            </a:r>
+            <a:r>
+              <a:rPr lang="en-US" altLang="ko-KR" sz="2000" b="0" cap="none" spc="0" dirty="0">
+                <a:ln w="0"/>
+                <a:solidFill>
+                  <a:schemeClr val="accent1"/>
+                </a:solidFill>
+                <a:effectLst>
+                  <a:outerShdw blurRad="38100" dist="25400" dir="5400000" algn="ctr" rotWithShape="0">
+                    <a:srgbClr val="6E747A">
+                      <a:alpha val="43000"/>
+                    </a:srgbClr>
+                  </a:outerShdw>
+                </a:effectLst>
+              </a:rPr>
+              <a:t>1</a:t>
+            </a:r>
+            <a:r>
+              <a:rPr lang="ko-KR" altLang="en-US" sz="2000" b="0" cap="none" spc="0" dirty="0">
+                <a:ln w="0"/>
+                <a:solidFill>
+                  <a:schemeClr val="accent1"/>
+                </a:solidFill>
+                <a:effectLst>
+                  <a:outerShdw blurRad="38100" dist="25400" dir="5400000" algn="ctr" rotWithShape="0">
+                    <a:srgbClr val="6E747A">
+                      <a:alpha val="43000"/>
+                    </a:srgbClr>
+                  </a:outerShdw>
+                </a:effectLst>
+              </a:rPr>
+              <a:t>반 </a:t>
+            </a:r>
+            <a:r>
+              <a:rPr lang="en-US" altLang="ko-KR" sz="2000" b="0" cap="none" spc="0" dirty="0">
+                <a:ln w="0"/>
+                <a:solidFill>
+                  <a:schemeClr val="accent1"/>
+                </a:solidFill>
+                <a:effectLst>
+                  <a:outerShdw blurRad="38100" dist="25400" dir="5400000" algn="ctr" rotWithShape="0">
+                    <a:srgbClr val="6E747A">
+                      <a:alpha val="43000"/>
+                    </a:srgbClr>
+                  </a:outerShdw>
+                </a:effectLst>
+              </a:rPr>
+              <a:t>1</a:t>
+            </a:r>
+            <a:r>
+              <a:rPr lang="ko-KR" altLang="en-US" sz="2000" b="0" cap="none" spc="0" dirty="0">
+                <a:ln w="0"/>
+                <a:solidFill>
+                  <a:schemeClr val="accent1"/>
+                </a:solidFill>
+                <a:effectLst>
+                  <a:outerShdw blurRad="38100" dist="25400" dir="5400000" algn="ctr" rotWithShape="0">
+                    <a:srgbClr val="6E747A">
+                      <a:alpha val="43000"/>
+                    </a:srgbClr>
+                  </a:outerShdw>
+                </a:effectLst>
+              </a:rPr>
+              <a:t>번 </a:t>
+            </a:r>
+            <a:r>
+              <a:rPr lang="ko-KR" altLang="en-US" sz="2000" b="0" cap="none" spc="0" dirty="0" err="1">
+                <a:ln w="0"/>
+                <a:solidFill>
+                  <a:schemeClr val="accent1"/>
+                </a:solidFill>
+                <a:effectLst>
+                  <a:outerShdw blurRad="38100" dist="25400" dir="5400000" algn="ctr" rotWithShape="0">
+                    <a:srgbClr val="6E747A">
+                      <a:alpha val="43000"/>
+                    </a:srgbClr>
+                  </a:outerShdw>
+                </a:effectLst>
+              </a:rPr>
+              <a:t>김가가</a:t>
+            </a:r>
+            <a:r>
+              <a:rPr lang="en-US" altLang="ko-KR" sz="2000" b="0" cap="none" spc="0" dirty="0">
+                <a:ln w="0"/>
+                <a:solidFill>
+                  <a:schemeClr val="accent1"/>
+                </a:solidFill>
+                <a:effectLst>
+                  <a:outerShdw blurRad="38100" dist="25400" dir="5400000" algn="ctr" rotWithShape="0">
+                    <a:srgbClr val="6E747A">
+                      <a:alpha val="43000"/>
+                    </a:srgbClr>
+                  </a:outerShdw>
+                </a:effectLst>
+              </a:rPr>
+              <a:t>(</a:t>
+            </a:r>
+            <a:r>
+              <a:rPr lang="ko-KR" altLang="en-US" sz="2000" b="0" cap="none" spc="0" dirty="0">
+                <a:ln w="0"/>
+                <a:solidFill>
+                  <a:schemeClr val="accent1"/>
+                </a:solidFill>
+                <a:effectLst>
+                  <a:outerShdw blurRad="38100" dist="25400" dir="5400000" algn="ctr" rotWithShape="0">
+                    <a:srgbClr val="6E747A">
+                      <a:alpha val="43000"/>
+                    </a:srgbClr>
+                  </a:outerShdw>
+                </a:effectLst>
+              </a:rPr>
+              <a:t>여</a:t>
+            </a:r>
+            <a:r>
+              <a:rPr lang="en-US" altLang="ko-KR" sz="2000" b="0" cap="none" spc="0" dirty="0">
+                <a:ln w="0"/>
+                <a:solidFill>
+                  <a:schemeClr val="accent1"/>
+                </a:solidFill>
+                <a:effectLst>
+                  <a:outerShdw blurRad="38100" dist="25400" dir="5400000" algn="ctr" rotWithShape="0">
+                    <a:srgbClr val="6E747A">
+                      <a:alpha val="43000"/>
+                    </a:srgbClr>
+                  </a:outerShdw>
+                </a:effectLst>
+              </a:rPr>
+              <a:t>)</a:t>
+            </a:r>
+            <a:r>
+              <a:rPr lang="ko-KR" altLang="en-US" sz="2000" b="0" cap="none" spc="0" dirty="0">
+                <a:ln w="0"/>
+                <a:solidFill>
+                  <a:schemeClr val="accent1"/>
+                </a:solidFill>
+                <a:effectLst>
+                  <a:outerShdw blurRad="38100" dist="25400" dir="5400000" algn="ctr" rotWithShape="0">
+                    <a:srgbClr val="6E747A">
+                      <a:alpha val="43000"/>
+                    </a:srgbClr>
+                  </a:outerShdw>
+                </a:effectLst>
+              </a:rPr>
+              <a:t> </a:t>
+            </a:r>
+            <a:endParaRPr lang="en-US" altLang="ko-KR" sz="2000" b="0" cap="none" spc="0" dirty="0">
+              <a:ln w="0"/>
+              <a:solidFill>
+                <a:schemeClr val="accent1"/>
+              </a:solidFill>
+              <a:effectLst>
+                <a:outerShdw blurRad="38100" dist="25400" dir="5400000" algn="ctr" rotWithShape="0">
+                  <a:srgbClr val="6E747A">
+                    <a:alpha val="43000"/>
+                  </a:srgbClr>
+                </a:outerShdw>
+              </a:effectLst>
+            </a:endParaRPr>
+          </a:p>
+        </p:txBody>
+      </p:sp>
+      <p:grpSp>
+        <p:nvGrpSpPr>
+          <p:cNvPr id="41" name="그룹 40">
+            <a:extLst>
+              <a:ext uri="{FF2B5EF4-FFF2-40B4-BE49-F238E27FC236}">
+                <a16:creationId xmlns:a16="http://schemas.microsoft.com/office/drawing/2014/main" id="{C1175270-10CD-403E-9B85-12A3A974737C}"/>
+              </a:ext>
+            </a:extLst>
+          </p:cNvPr>
+          <p:cNvGrpSpPr/>
+          <p:nvPr/>
+        </p:nvGrpSpPr>
+        <p:grpSpPr>
+          <a:xfrm>
+            <a:off x="2640395" y="472455"/>
+            <a:ext cx="1876191" cy="523211"/>
+            <a:chOff x="2640395" y="472455"/>
+            <a:chExt cx="1876191" cy="523211"/>
+          </a:xfrm>
+        </p:grpSpPr>
+        <p:sp>
+          <p:nvSpPr>
+            <p:cNvPr id="42" name="직사각형 41">
+              <a:hlinkClick r:id="" action="ppaction://noaction"/>
+              <a:extLst>
+                <a:ext uri="{FF2B5EF4-FFF2-40B4-BE49-F238E27FC236}">
+                  <a16:creationId xmlns:a16="http://schemas.microsoft.com/office/drawing/2014/main" id="{0649F3A1-3DF8-4F5B-8037-1D22D3B8839E}"/>
+                </a:ext>
+              </a:extLst>
+            </p:cNvPr>
+            <p:cNvSpPr/>
+            <p:nvPr/>
+          </p:nvSpPr>
+          <p:spPr>
+            <a:xfrm>
+              <a:off x="2640395" y="595556"/>
+              <a:ext cx="1563326" cy="400110"/>
+            </a:xfrm>
+            <a:prstGeom prst="rect">
+              <a:avLst/>
+            </a:prstGeom>
+            <a:noFill/>
+          </p:spPr>
+          <p:txBody>
+            <a:bodyPr wrap="square" lIns="91440" tIns="45720" rIns="91440" bIns="45720">
+              <a:spAutoFit/>
+            </a:bodyPr>
+            <a:lstStyle/>
+            <a:p>
+              <a:pPr algn="ctr"/>
+              <a:r>
+                <a:rPr lang="ko-KR" altLang="en-US" sz="2000" b="1" dirty="0">
+                  <a:ln w="22225">
+                    <a:solidFill>
+                      <a:schemeClr val="accent2"/>
+                    </a:solidFill>
+                    <a:prstDash val="solid"/>
+                  </a:ln>
+                  <a:solidFill>
+                    <a:schemeClr val="accent2">
+                      <a:lumMod val="40000"/>
+                      <a:lumOff val="60000"/>
+                    </a:schemeClr>
+                  </a:solidFill>
+                </a:rPr>
+                <a:t>학생</a:t>
+              </a:r>
+              <a:r>
+                <a:rPr lang="ko-KR" altLang="en-US" sz="2000" b="1" cap="none" spc="0" dirty="0">
+                  <a:ln w="22225">
+                    <a:solidFill>
+                      <a:schemeClr val="accent2"/>
+                    </a:solidFill>
+                    <a:prstDash val="solid"/>
+                  </a:ln>
+                  <a:solidFill>
+                    <a:schemeClr val="accent2">
+                      <a:lumMod val="40000"/>
+                      <a:lumOff val="60000"/>
+                    </a:schemeClr>
+                  </a:solidFill>
+                  <a:effectLst/>
+                </a:rPr>
+                <a:t> </a:t>
+              </a:r>
+              <a:r>
+                <a:rPr lang="en-US" altLang="ko-KR" sz="2000" b="1" cap="none" spc="0" dirty="0" err="1">
+                  <a:ln w="22225">
+                    <a:solidFill>
+                      <a:schemeClr val="accent2"/>
+                    </a:solidFill>
+                    <a:prstDash val="solid"/>
+                  </a:ln>
+                  <a:solidFill>
+                    <a:schemeClr val="accent2">
+                      <a:lumMod val="40000"/>
+                      <a:lumOff val="60000"/>
+                    </a:schemeClr>
+                  </a:solidFill>
+                  <a:effectLst/>
+                </a:rPr>
+                <a:t>ver</a:t>
+              </a:r>
+              <a:endParaRPr lang="en-US" altLang="ko-KR" sz="2000" b="1" cap="none" spc="0" dirty="0">
+                <a:ln w="22225">
+                  <a:solidFill>
+                    <a:schemeClr val="accent2"/>
+                  </a:solidFill>
+                  <a:prstDash val="solid"/>
+                </a:ln>
+                <a:solidFill>
+                  <a:schemeClr val="accent2">
+                    <a:lumMod val="40000"/>
+                    <a:lumOff val="60000"/>
+                  </a:schemeClr>
+                </a:solidFill>
+                <a:effectLst/>
+              </a:endParaRPr>
+            </a:p>
+          </p:txBody>
+        </p:sp>
+        <p:pic>
+          <p:nvPicPr>
+            <p:cNvPr id="43" name="그림 42">
+              <a:hlinkClick r:id="rId8" action="ppaction://hlinksldjump"/>
+              <a:extLst>
+                <a:ext uri="{FF2B5EF4-FFF2-40B4-BE49-F238E27FC236}">
+                  <a16:creationId xmlns:a16="http://schemas.microsoft.com/office/drawing/2014/main" id="{A0711F42-89D7-489F-8678-6928A8CB8F32}"/>
+                </a:ext>
+              </a:extLst>
+            </p:cNvPr>
+            <p:cNvPicPr>
+              <a:picLocks noChangeAspect="1"/>
+            </p:cNvPicPr>
+            <p:nvPr/>
+          </p:nvPicPr>
+          <p:blipFill>
+            <a:blip r:embed="rId9">
+              <a:extLst>
+                <a:ext uri="{28A0092B-C50C-407E-A947-70E740481C1C}">
+                  <a14:useLocalDpi xmlns:a14="http://schemas.microsoft.com/office/drawing/2010/main" val="0"/>
+                </a:ext>
+              </a:extLst>
+            </a:blip>
+            <a:stretch>
+              <a:fillRect/>
+            </a:stretch>
+          </p:blipFill>
+          <p:spPr>
+            <a:xfrm>
+              <a:off x="4085851" y="472455"/>
+              <a:ext cx="430735" cy="407528"/>
+            </a:xfrm>
+            <a:prstGeom prst="rect">
+              <a:avLst/>
+            </a:prstGeom>
+          </p:spPr>
+        </p:pic>
+      </p:grpSp>
+      <p:sp>
+        <p:nvSpPr>
+          <p:cNvPr id="44" name="직사각형 43">
+            <a:extLst>
+              <a:ext uri="{FF2B5EF4-FFF2-40B4-BE49-F238E27FC236}">
+                <a16:creationId xmlns:a16="http://schemas.microsoft.com/office/drawing/2014/main" id="{BE295CC1-9798-4857-B40C-A601039D90F8}"/>
+              </a:ext>
+            </a:extLst>
+          </p:cNvPr>
+          <p:cNvSpPr/>
+          <p:nvPr/>
+        </p:nvSpPr>
+        <p:spPr>
+          <a:xfrm>
+            <a:off x="1154890" y="2133313"/>
+            <a:ext cx="2423102" cy="444513"/>
+          </a:xfrm>
+          <a:prstGeom prst="rect">
+            <a:avLst/>
+          </a:prstGeom>
+        </p:spPr>
+        <p:style>
+          <a:lnRef idx="2">
+            <a:schemeClr val="accent1">
+              <a:shade val="50000"/>
+            </a:schemeClr>
+          </a:lnRef>
+          <a:fillRef idx="1">
+            <a:schemeClr val="accent1"/>
+          </a:fillRef>
+          <a:effectRef idx="0">
+            <a:schemeClr val="accent1"/>
+          </a:effectRef>
+          <a:fontRef idx="minor">
+            <a:schemeClr val="lt1"/>
+          </a:fontRef>
+        </p:style>
+        <p:txBody>
+          <a:bodyPr rtlCol="0" anchor="ctr"/>
+          <a:lstStyle/>
+          <a:p>
+            <a:pPr algn="ctr"/>
+            <a:r>
+              <a:rPr lang="en-US" altLang="ko-KR" dirty="0"/>
+              <a:t>1000M (200M,5</a:t>
+            </a:r>
+            <a:r>
+              <a:rPr lang="ko-KR" altLang="en-US" dirty="0"/>
+              <a:t>바퀴</a:t>
+            </a:r>
+            <a:r>
+              <a:rPr lang="en-US" altLang="ko-KR" dirty="0"/>
+              <a:t>)</a:t>
+            </a:r>
+            <a:endParaRPr lang="ko-KR" altLang="en-US" sz="1400" dirty="0"/>
+          </a:p>
+        </p:txBody>
+      </p:sp>
+      <p:sp>
+        <p:nvSpPr>
+          <p:cNvPr id="45" name="직사각형 44">
+            <a:extLst>
+              <a:ext uri="{FF2B5EF4-FFF2-40B4-BE49-F238E27FC236}">
+                <a16:creationId xmlns:a16="http://schemas.microsoft.com/office/drawing/2014/main" id="{7926A22A-9542-418F-B48D-7F55CFBCDA54}"/>
+              </a:ext>
+            </a:extLst>
+          </p:cNvPr>
+          <p:cNvSpPr/>
+          <p:nvPr/>
+        </p:nvSpPr>
+        <p:spPr>
+          <a:xfrm>
+            <a:off x="244707" y="2737443"/>
+            <a:ext cx="4301477" cy="392516"/>
+          </a:xfrm>
+          <a:prstGeom prst="rect">
+            <a:avLst/>
+          </a:prstGeom>
+        </p:spPr>
+        <p:style>
+          <a:lnRef idx="2">
+            <a:schemeClr val="accent1">
+              <a:shade val="50000"/>
+            </a:schemeClr>
+          </a:lnRef>
+          <a:fillRef idx="1">
+            <a:schemeClr val="accent1"/>
+          </a:fillRef>
+          <a:effectRef idx="0">
+            <a:schemeClr val="accent1"/>
+          </a:effectRef>
+          <a:fontRef idx="minor">
+            <a:schemeClr val="lt1"/>
+          </a:fontRef>
+        </p:style>
+        <p:txBody>
+          <a:bodyPr rtlCol="0" anchor="ctr"/>
+          <a:lstStyle/>
+          <a:p>
+            <a:pPr algn="ctr"/>
+            <a:r>
+              <a:rPr lang="en-US" altLang="ko-KR" dirty="0"/>
+              <a:t>2017</a:t>
+            </a:r>
+            <a:r>
+              <a:rPr lang="ko-KR" altLang="en-US" dirty="0"/>
+              <a:t>년 </a:t>
+            </a:r>
+            <a:r>
+              <a:rPr lang="en-US" altLang="ko-KR" dirty="0"/>
+              <a:t>07</a:t>
+            </a:r>
+            <a:r>
+              <a:rPr lang="ko-KR" altLang="en-US" dirty="0"/>
+              <a:t>월 </a:t>
+            </a:r>
+            <a:r>
+              <a:rPr lang="en-US" altLang="ko-KR" dirty="0"/>
+              <a:t>05</a:t>
+            </a:r>
+            <a:r>
+              <a:rPr lang="ko-KR" altLang="en-US" dirty="0"/>
+              <a:t>일 </a:t>
+            </a:r>
+            <a:r>
+              <a:rPr lang="en-US" altLang="ko-KR" dirty="0"/>
+              <a:t>02</a:t>
+            </a:r>
+            <a:r>
+              <a:rPr lang="ko-KR" altLang="en-US" dirty="0"/>
+              <a:t>시  </a:t>
+            </a:r>
+            <a:r>
+              <a:rPr lang="en-US" altLang="ko-KR" dirty="0"/>
+              <a:t>: 5</a:t>
+            </a:r>
+            <a:r>
+              <a:rPr lang="ko-KR" altLang="en-US" dirty="0"/>
+              <a:t>분 </a:t>
+            </a:r>
+            <a:r>
+              <a:rPr lang="en-US" altLang="ko-KR" dirty="0"/>
+              <a:t>45</a:t>
+            </a:r>
+            <a:r>
+              <a:rPr lang="ko-KR" altLang="en-US" dirty="0"/>
+              <a:t>초 </a:t>
+            </a:r>
+            <a:r>
+              <a:rPr lang="en-US" altLang="ko-KR" dirty="0"/>
+              <a:t>03</a:t>
+            </a:r>
+            <a:endParaRPr lang="ko-KR" altLang="en-US" dirty="0"/>
+          </a:p>
+        </p:txBody>
+      </p:sp>
+    </p:spTree>
+    <p:extLst>
+      <p:ext uri="{BB962C8B-B14F-4D97-AF65-F5344CB8AC3E}">
+        <p14:creationId xmlns:p14="http://schemas.microsoft.com/office/powerpoint/2010/main" val="838484518"/>
+      </p:ext>
+    </p:extLst>
+  </p:cSld>
+  <p:clrMapOvr>
+    <a:masterClrMapping/>
+  </p:clrMapOvr>
+</p:sld>
+</file>
+
+<file path=ppt/slides/slide18.xml><?xml version="1.0" encoding="utf-8"?>
 <p:sld xmlns:a="http://schemas.openxmlformats.org/drawingml/2006/main" xmlns:r="http://schemas.openxmlformats.org/officeDocument/2006/relationships" xmlns:p="http://schemas.openxmlformats.org/presentationml/2006/main">
   <p:cSld>
     <p:spTree>
@@ -17846,7 +19384,7 @@
 </p:sld>
 </file>
 
-<file path=ppt/slides/slide18.xml><?xml version="1.0" encoding="utf-8"?>
+<file path=ppt/slides/slide19.xml><?xml version="1.0" encoding="utf-8"?>
 <p:sld xmlns:a="http://schemas.openxmlformats.org/drawingml/2006/main" xmlns:r="http://schemas.openxmlformats.org/officeDocument/2006/relationships" xmlns:p="http://schemas.openxmlformats.org/presentationml/2006/main">
   <p:cSld>
     <p:spTree>
@@ -18955,7 +20493,1200 @@
 </p:sld>
 </file>
 
-<file path=ppt/slides/slide19.xml><?xml version="1.0" encoding="utf-8"?>
+<file path=ppt/slides/slide2.xml><?xml version="1.0" encoding="utf-8"?>
+<p:sld xmlns:a="http://schemas.openxmlformats.org/drawingml/2006/main" xmlns:r="http://schemas.openxmlformats.org/officeDocument/2006/relationships" xmlns:p="http://schemas.openxmlformats.org/presentationml/2006/main">
+  <p:cSld>
+    <p:spTree>
+      <p:nvGrpSpPr>
+        <p:cNvPr id="1" name=""/>
+        <p:cNvGrpSpPr/>
+        <p:nvPr/>
+      </p:nvGrpSpPr>
+      <p:grpSpPr>
+        <a:xfrm>
+          <a:off x="0" y="0"/>
+          <a:ext cx="0" cy="0"/>
+          <a:chOff x="0" y="0"/>
+          <a:chExt cx="0" cy="0"/>
+        </a:xfrm>
+      </p:grpSpPr>
+      <p:sp>
+        <p:nvSpPr>
+          <p:cNvPr id="4" name="직사각형 3"/>
+          <p:cNvSpPr/>
+          <p:nvPr/>
+        </p:nvSpPr>
+        <p:spPr>
+          <a:xfrm>
+            <a:off x="0" y="29881"/>
+            <a:ext cx="4829452" cy="6858000"/>
+          </a:xfrm>
+          <a:prstGeom prst="rect">
+            <a:avLst/>
+          </a:prstGeom>
+          <a:ln w="57150"/>
+        </p:spPr>
+        <p:style>
+          <a:lnRef idx="2">
+            <a:schemeClr val="dk1"/>
+          </a:lnRef>
+          <a:fillRef idx="1">
+            <a:schemeClr val="lt1"/>
+          </a:fillRef>
+          <a:effectRef idx="0">
+            <a:schemeClr val="dk1"/>
+          </a:effectRef>
+          <a:fontRef idx="minor">
+            <a:schemeClr val="dk1"/>
+          </a:fontRef>
+        </p:style>
+        <p:txBody>
+          <a:bodyPr rtlCol="0" anchor="ctr"/>
+          <a:lstStyle/>
+          <a:p>
+            <a:pPr algn="ctr"/>
+            <a:endParaRPr lang="ko-KR" altLang="en-US" dirty="0"/>
+          </a:p>
+        </p:txBody>
+      </p:sp>
+      <p:sp>
+        <p:nvSpPr>
+          <p:cNvPr id="2" name="직사각형 1"/>
+          <p:cNvSpPr/>
+          <p:nvPr/>
+        </p:nvSpPr>
+        <p:spPr>
+          <a:xfrm>
+            <a:off x="273379" y="2810428"/>
+            <a:ext cx="1961965" cy="1204331"/>
+          </a:xfrm>
+          <a:prstGeom prst="rect">
+            <a:avLst/>
+          </a:prstGeom>
+        </p:spPr>
+        <p:style>
+          <a:lnRef idx="2">
+            <a:schemeClr val="accent1">
+              <a:shade val="50000"/>
+            </a:schemeClr>
+          </a:lnRef>
+          <a:fillRef idx="1">
+            <a:schemeClr val="accent1"/>
+          </a:fillRef>
+          <a:effectRef idx="0">
+            <a:schemeClr val="accent1"/>
+          </a:effectRef>
+          <a:fontRef idx="minor">
+            <a:schemeClr val="lt1"/>
+          </a:fontRef>
+        </p:style>
+        <p:txBody>
+          <a:bodyPr rtlCol="0" anchor="ctr"/>
+          <a:lstStyle/>
+          <a:p>
+            <a:pPr algn="ctr"/>
+            <a:r>
+              <a:rPr lang="ko-KR" altLang="en-US" dirty="0"/>
+              <a:t>기초정보</a:t>
+            </a:r>
+          </a:p>
+        </p:txBody>
+      </p:sp>
+      <p:sp>
+        <p:nvSpPr>
+          <p:cNvPr id="16" name="직사각형 15">
+            <a:hlinkClick r:id="rId2" action="ppaction://hlinksldjump"/>
+          </p:cNvPr>
+          <p:cNvSpPr/>
+          <p:nvPr/>
+        </p:nvSpPr>
+        <p:spPr>
+          <a:xfrm>
+            <a:off x="2608100" y="2810427"/>
+            <a:ext cx="1961965" cy="1204331"/>
+          </a:xfrm>
+          <a:prstGeom prst="rect">
+            <a:avLst/>
+          </a:prstGeom>
+        </p:spPr>
+        <p:style>
+          <a:lnRef idx="2">
+            <a:schemeClr val="accent1">
+              <a:shade val="50000"/>
+            </a:schemeClr>
+          </a:lnRef>
+          <a:fillRef idx="1">
+            <a:schemeClr val="accent1"/>
+          </a:fillRef>
+          <a:effectRef idx="0">
+            <a:schemeClr val="accent1"/>
+          </a:effectRef>
+          <a:fontRef idx="minor">
+            <a:schemeClr val="lt1"/>
+          </a:fontRef>
+        </p:style>
+        <p:txBody>
+          <a:bodyPr rtlCol="0" anchor="ctr"/>
+          <a:lstStyle/>
+          <a:p>
+            <a:pPr algn="ctr"/>
+            <a:r>
+              <a:rPr lang="ko-KR" altLang="en-US" dirty="0"/>
+              <a:t>팝스</a:t>
+            </a:r>
+          </a:p>
+        </p:txBody>
+      </p:sp>
+      <p:sp>
+        <p:nvSpPr>
+          <p:cNvPr id="17" name="직사각형 16">
+            <a:hlinkClick r:id="rId3" action="ppaction://hlinksldjump"/>
+          </p:cNvPr>
+          <p:cNvSpPr/>
+          <p:nvPr/>
+        </p:nvSpPr>
+        <p:spPr>
+          <a:xfrm>
+            <a:off x="282959" y="4126656"/>
+            <a:ext cx="1961965" cy="1106307"/>
+          </a:xfrm>
+          <a:prstGeom prst="rect">
+            <a:avLst/>
+          </a:prstGeom>
+        </p:spPr>
+        <p:style>
+          <a:lnRef idx="2">
+            <a:schemeClr val="accent1">
+              <a:shade val="50000"/>
+            </a:schemeClr>
+          </a:lnRef>
+          <a:fillRef idx="1">
+            <a:schemeClr val="accent1"/>
+          </a:fillRef>
+          <a:effectRef idx="0">
+            <a:schemeClr val="accent1"/>
+          </a:effectRef>
+          <a:fontRef idx="minor">
+            <a:schemeClr val="lt1"/>
+          </a:fontRef>
+        </p:style>
+        <p:txBody>
+          <a:bodyPr rtlCol="0" anchor="ctr"/>
+          <a:lstStyle/>
+          <a:p>
+            <a:pPr algn="ctr"/>
+            <a:r>
+              <a:rPr lang="ko-KR" altLang="en-US" dirty="0"/>
+              <a:t>체력 </a:t>
+            </a:r>
+            <a:r>
+              <a:rPr lang="en-US" altLang="ko-KR" dirty="0"/>
+              <a:t>UP! TIP!</a:t>
+            </a:r>
+            <a:endParaRPr lang="ko-KR" altLang="en-US" dirty="0"/>
+          </a:p>
+        </p:txBody>
+      </p:sp>
+      <p:sp>
+        <p:nvSpPr>
+          <p:cNvPr id="18" name="직사각형 17">
+            <a:hlinkClick r:id="rId4" action="ppaction://hlinksldjump"/>
+          </p:cNvPr>
+          <p:cNvSpPr/>
+          <p:nvPr/>
+        </p:nvSpPr>
+        <p:spPr>
+          <a:xfrm>
+            <a:off x="2608099" y="4126656"/>
+            <a:ext cx="1961965" cy="1106307"/>
+          </a:xfrm>
+          <a:prstGeom prst="rect">
+            <a:avLst/>
+          </a:prstGeom>
+        </p:spPr>
+        <p:style>
+          <a:lnRef idx="2">
+            <a:schemeClr val="accent1">
+              <a:shade val="50000"/>
+            </a:schemeClr>
+          </a:lnRef>
+          <a:fillRef idx="1">
+            <a:schemeClr val="accent1"/>
+          </a:fillRef>
+          <a:effectRef idx="0">
+            <a:schemeClr val="accent1"/>
+          </a:effectRef>
+          <a:fontRef idx="minor">
+            <a:schemeClr val="lt1"/>
+          </a:fontRef>
+        </p:style>
+        <p:txBody>
+          <a:bodyPr rtlCol="0" anchor="ctr"/>
+          <a:lstStyle/>
+          <a:p>
+            <a:pPr algn="ctr"/>
+            <a:r>
+              <a:rPr lang="ko-KR" altLang="en-US" dirty="0"/>
+              <a:t>와글와글</a:t>
+            </a:r>
+          </a:p>
+        </p:txBody>
+      </p:sp>
+      <p:sp>
+        <p:nvSpPr>
+          <p:cNvPr id="3" name="직사각형 2"/>
+          <p:cNvSpPr/>
+          <p:nvPr/>
+        </p:nvSpPr>
+        <p:spPr>
+          <a:xfrm>
+            <a:off x="3015842" y="1352285"/>
+            <a:ext cx="1563326" cy="400110"/>
+          </a:xfrm>
+          <a:prstGeom prst="rect">
+            <a:avLst/>
+          </a:prstGeom>
+          <a:noFill/>
+        </p:spPr>
+        <p:txBody>
+          <a:bodyPr wrap="square" lIns="91440" tIns="45720" rIns="91440" bIns="45720">
+            <a:spAutoFit/>
+          </a:bodyPr>
+          <a:lstStyle/>
+          <a:p>
+            <a:pPr algn="ctr"/>
+            <a:r>
+              <a:rPr lang="ko-KR" altLang="en-US" sz="2000" b="1" cap="none" spc="0" dirty="0">
+                <a:ln w="22225">
+                  <a:solidFill>
+                    <a:schemeClr val="accent2"/>
+                  </a:solidFill>
+                  <a:prstDash val="solid"/>
+                </a:ln>
+                <a:solidFill>
+                  <a:schemeClr val="accent2">
+                    <a:lumMod val="40000"/>
+                    <a:lumOff val="60000"/>
+                  </a:schemeClr>
+                </a:solidFill>
+                <a:effectLst/>
+              </a:rPr>
+              <a:t>학생 </a:t>
+            </a:r>
+            <a:r>
+              <a:rPr lang="en-US" altLang="ko-KR" sz="2000" b="1" cap="none" spc="0" dirty="0" err="1">
+                <a:ln w="22225">
+                  <a:solidFill>
+                    <a:schemeClr val="accent2"/>
+                  </a:solidFill>
+                  <a:prstDash val="solid"/>
+                </a:ln>
+                <a:solidFill>
+                  <a:schemeClr val="accent2">
+                    <a:lumMod val="40000"/>
+                    <a:lumOff val="60000"/>
+                  </a:schemeClr>
+                </a:solidFill>
+                <a:effectLst/>
+              </a:rPr>
+              <a:t>ver</a:t>
+            </a:r>
+            <a:endParaRPr lang="en-US" altLang="ko-KR" sz="2000" b="1" cap="none" spc="0" dirty="0">
+              <a:ln w="22225">
+                <a:solidFill>
+                  <a:schemeClr val="accent2"/>
+                </a:solidFill>
+                <a:prstDash val="solid"/>
+              </a:ln>
+              <a:solidFill>
+                <a:schemeClr val="accent2">
+                  <a:lumMod val="40000"/>
+                  <a:lumOff val="60000"/>
+                </a:schemeClr>
+              </a:solidFill>
+              <a:effectLst/>
+            </a:endParaRPr>
+          </a:p>
+        </p:txBody>
+      </p:sp>
+      <p:grpSp>
+        <p:nvGrpSpPr>
+          <p:cNvPr id="20" name="그룹 19"/>
+          <p:cNvGrpSpPr/>
+          <p:nvPr/>
+        </p:nvGrpSpPr>
+        <p:grpSpPr>
+          <a:xfrm>
+            <a:off x="215109" y="213739"/>
+            <a:ext cx="2598498" cy="1632885"/>
+            <a:chOff x="215109" y="-22544"/>
+            <a:chExt cx="3836270" cy="1809394"/>
+          </a:xfrm>
+        </p:grpSpPr>
+        <p:grpSp>
+          <p:nvGrpSpPr>
+            <p:cNvPr id="21" name="그룹 20"/>
+            <p:cNvGrpSpPr/>
+            <p:nvPr/>
+          </p:nvGrpSpPr>
+          <p:grpSpPr>
+            <a:xfrm>
+              <a:off x="1521117" y="-22544"/>
+              <a:ext cx="2530262" cy="1809394"/>
+              <a:chOff x="556336" y="-76730"/>
+              <a:chExt cx="2530262" cy="1809394"/>
+            </a:xfrm>
+          </p:grpSpPr>
+          <p:grpSp>
+            <p:nvGrpSpPr>
+              <p:cNvPr id="26" name="그룹 25"/>
+              <p:cNvGrpSpPr/>
+              <p:nvPr/>
+            </p:nvGrpSpPr>
+            <p:grpSpPr>
+              <a:xfrm>
+                <a:off x="556336" y="880049"/>
+                <a:ext cx="2530262" cy="852615"/>
+                <a:chOff x="1266549" y="1013745"/>
+                <a:chExt cx="2530262" cy="852615"/>
+              </a:xfrm>
+            </p:grpSpPr>
+            <p:sp>
+              <p:nvSpPr>
+                <p:cNvPr id="28" name="직사각형 27"/>
+                <p:cNvSpPr/>
+                <p:nvPr/>
+              </p:nvSpPr>
+              <p:spPr>
+                <a:xfrm>
+                  <a:off x="1266549" y="1255568"/>
+                  <a:ext cx="1181397" cy="511569"/>
+                </a:xfrm>
+                <a:prstGeom prst="rect">
+                  <a:avLst/>
+                </a:prstGeom>
+                <a:noFill/>
+              </p:spPr>
+              <p:txBody>
+                <a:bodyPr wrap="none" lIns="91440" tIns="45720" rIns="91440" bIns="45720">
+                  <a:spAutoFit/>
+                </a:bodyPr>
+                <a:lstStyle/>
+                <a:p>
+                  <a:pPr algn="ctr"/>
+                  <a:r>
+                    <a:rPr lang="ko-KR" altLang="en-US" sz="2400" dirty="0">
+                      <a:ln w="0"/>
+                      <a:effectLst>
+                        <a:outerShdw blurRad="38100" dist="19050" dir="2700000" algn="tl" rotWithShape="0">
+                          <a:schemeClr val="dk1">
+                            <a:alpha val="40000"/>
+                          </a:schemeClr>
+                        </a:outerShdw>
+                      </a:effectLst>
+                    </a:rPr>
+                    <a:t>체력</a:t>
+                  </a:r>
+                  <a:endParaRPr lang="en-US" altLang="ko-KR" sz="2400" dirty="0">
+                    <a:ln w="0"/>
+                    <a:effectLst>
+                      <a:outerShdw blurRad="38100" dist="19050" dir="2700000" algn="tl" rotWithShape="0">
+                        <a:schemeClr val="dk1">
+                          <a:alpha val="40000"/>
+                        </a:schemeClr>
+                      </a:outerShdw>
+                    </a:effectLst>
+                  </a:endParaRPr>
+                </a:p>
+              </p:txBody>
+            </p:sp>
+            <p:sp>
+              <p:nvSpPr>
+                <p:cNvPr id="29" name="직사각형 28"/>
+                <p:cNvSpPr/>
+                <p:nvPr/>
+              </p:nvSpPr>
+              <p:spPr>
+                <a:xfrm>
+                  <a:off x="2325462" y="1013745"/>
+                  <a:ext cx="1471349" cy="852615"/>
+                </a:xfrm>
+                <a:prstGeom prst="rect">
+                  <a:avLst/>
+                </a:prstGeom>
+                <a:noFill/>
+              </p:spPr>
+              <p:txBody>
+                <a:bodyPr wrap="square" lIns="91440" tIns="45720" rIns="91440" bIns="45720">
+                  <a:spAutoFit/>
+                </a:bodyPr>
+                <a:lstStyle/>
+                <a:p>
+                  <a:pPr algn="ctr"/>
+                  <a:r>
+                    <a:rPr lang="en-US" altLang="ko-KR" sz="4400" b="1" dirty="0">
+                      <a:ln w="12700" cmpd="sng">
+                        <a:solidFill>
+                          <a:schemeClr val="accent4"/>
+                        </a:solidFill>
+                        <a:prstDash val="solid"/>
+                      </a:ln>
+                      <a:gradFill>
+                        <a:gsLst>
+                          <a:gs pos="0">
+                            <a:schemeClr val="accent4"/>
+                          </a:gs>
+                          <a:gs pos="4000">
+                            <a:schemeClr val="accent4">
+                              <a:lumMod val="60000"/>
+                              <a:lumOff val="40000"/>
+                            </a:schemeClr>
+                          </a:gs>
+                          <a:gs pos="87000">
+                            <a:schemeClr val="accent4">
+                              <a:lumMod val="20000"/>
+                              <a:lumOff val="80000"/>
+                            </a:schemeClr>
+                          </a:gs>
+                        </a:gsLst>
+                        <a:lin ang="5400000"/>
+                      </a:gradFill>
+                    </a:rPr>
+                    <a:t>Up</a:t>
+                  </a:r>
+                  <a:endParaRPr lang="en-US" altLang="ko-KR" sz="4400" b="1" cap="none" spc="0" dirty="0">
+                    <a:ln w="12700" cmpd="sng">
+                      <a:solidFill>
+                        <a:schemeClr val="accent4"/>
+                      </a:solidFill>
+                      <a:prstDash val="solid"/>
+                    </a:ln>
+                    <a:gradFill>
+                      <a:gsLst>
+                        <a:gs pos="0">
+                          <a:schemeClr val="accent4"/>
+                        </a:gs>
+                        <a:gs pos="4000">
+                          <a:schemeClr val="accent4">
+                            <a:lumMod val="60000"/>
+                            <a:lumOff val="40000"/>
+                          </a:schemeClr>
+                        </a:gs>
+                        <a:gs pos="87000">
+                          <a:schemeClr val="accent4">
+                            <a:lumMod val="20000"/>
+                            <a:lumOff val="80000"/>
+                          </a:schemeClr>
+                        </a:gs>
+                      </a:gsLst>
+                      <a:lin ang="5400000"/>
+                    </a:gradFill>
+                    <a:effectLst/>
+                  </a:endParaRPr>
+                </a:p>
+              </p:txBody>
+            </p:sp>
+          </p:grpSp>
+          <p:pic>
+            <p:nvPicPr>
+              <p:cNvPr id="27" name="그림 26"/>
+              <p:cNvPicPr>
+                <a:picLocks noChangeAspect="1"/>
+              </p:cNvPicPr>
+              <p:nvPr/>
+            </p:nvPicPr>
+            <p:blipFill>
+              <a:blip r:embed="rId5">
+                <a:extLst>
+                  <a:ext uri="{28A0092B-C50C-407E-A947-70E740481C1C}">
+                    <a14:useLocalDpi xmlns:a14="http://schemas.microsoft.com/office/drawing/2010/main" val="0"/>
+                  </a:ext>
+                </a:extLst>
+              </a:blip>
+              <a:stretch>
+                <a:fillRect/>
+              </a:stretch>
+            </p:blipFill>
+            <p:spPr>
+              <a:xfrm>
+                <a:off x="910977" y="-76730"/>
+                <a:ext cx="1085891" cy="1223538"/>
+              </a:xfrm>
+              <a:prstGeom prst="rect">
+                <a:avLst/>
+              </a:prstGeom>
+            </p:spPr>
+          </p:pic>
+        </p:grpSp>
+        <p:sp>
+          <p:nvSpPr>
+            <p:cNvPr id="22" name="TextBox 21"/>
+            <p:cNvSpPr txBox="1"/>
+            <p:nvPr/>
+          </p:nvSpPr>
+          <p:spPr>
+            <a:xfrm>
+              <a:off x="215109" y="856425"/>
+              <a:ext cx="1695622" cy="443361"/>
+            </a:xfrm>
+            <a:prstGeom prst="rect">
+              <a:avLst/>
+            </a:prstGeom>
+            <a:noFill/>
+          </p:spPr>
+          <p:txBody>
+            <a:bodyPr wrap="square" rtlCol="0">
+              <a:spAutoFit/>
+            </a:bodyPr>
+            <a:lstStyle/>
+            <a:p>
+              <a:r>
+                <a:rPr lang="en-US" altLang="ko-KR" sz="2000" i="1" dirty="0">
+                  <a:effectLst>
+                    <a:outerShdw blurRad="38100" dist="38100" dir="2700000" algn="tl">
+                      <a:srgbClr val="000000">
+                        <a:alpha val="43137"/>
+                      </a:srgbClr>
+                    </a:outerShdw>
+                  </a:effectLst>
+                </a:rPr>
+                <a:t>Hi-Pass</a:t>
+              </a:r>
+              <a:endParaRPr lang="ko-KR" altLang="en-US" sz="2000" i="1" dirty="0">
+                <a:effectLst>
+                  <a:outerShdw blurRad="38100" dist="38100" dir="2700000" algn="tl">
+                    <a:srgbClr val="000000">
+                      <a:alpha val="43137"/>
+                    </a:srgbClr>
+                  </a:outerShdw>
+                </a:effectLst>
+              </a:endParaRPr>
+            </a:p>
+          </p:txBody>
+        </p:sp>
+        <p:cxnSp>
+          <p:nvCxnSpPr>
+            <p:cNvPr id="23" name="직선 연결선 22"/>
+            <p:cNvCxnSpPr/>
+            <p:nvPr/>
+          </p:nvCxnSpPr>
+          <p:spPr>
+            <a:xfrm>
+              <a:off x="283776" y="437625"/>
+              <a:ext cx="1097763" cy="0"/>
+            </a:xfrm>
+            <a:prstGeom prst="line">
+              <a:avLst/>
+            </a:prstGeom>
+            <a:ln w="25400"/>
+          </p:spPr>
+          <p:style>
+            <a:lnRef idx="1">
+              <a:schemeClr val="accent1"/>
+            </a:lnRef>
+            <a:fillRef idx="0">
+              <a:schemeClr val="accent1"/>
+            </a:fillRef>
+            <a:effectRef idx="0">
+              <a:schemeClr val="accent1"/>
+            </a:effectRef>
+            <a:fontRef idx="minor">
+              <a:schemeClr val="tx1"/>
+            </a:fontRef>
+          </p:style>
+        </p:cxnSp>
+        <p:cxnSp>
+          <p:nvCxnSpPr>
+            <p:cNvPr id="24" name="직선 연결선 23"/>
+            <p:cNvCxnSpPr/>
+            <p:nvPr/>
+          </p:nvCxnSpPr>
+          <p:spPr>
+            <a:xfrm>
+              <a:off x="488724" y="632063"/>
+              <a:ext cx="1097763" cy="0"/>
+            </a:xfrm>
+            <a:prstGeom prst="line">
+              <a:avLst/>
+            </a:prstGeom>
+            <a:ln w="25400"/>
+          </p:spPr>
+          <p:style>
+            <a:lnRef idx="1">
+              <a:schemeClr val="accent1"/>
+            </a:lnRef>
+            <a:fillRef idx="0">
+              <a:schemeClr val="accent1"/>
+            </a:fillRef>
+            <a:effectRef idx="0">
+              <a:schemeClr val="accent1"/>
+            </a:effectRef>
+            <a:fontRef idx="minor">
+              <a:schemeClr val="tx1"/>
+            </a:fontRef>
+          </p:style>
+        </p:cxnSp>
+        <p:cxnSp>
+          <p:nvCxnSpPr>
+            <p:cNvPr id="25" name="직선 연결선 24"/>
+            <p:cNvCxnSpPr/>
+            <p:nvPr/>
+          </p:nvCxnSpPr>
+          <p:spPr>
+            <a:xfrm>
+              <a:off x="651641" y="826507"/>
+              <a:ext cx="1097763" cy="0"/>
+            </a:xfrm>
+            <a:prstGeom prst="line">
+              <a:avLst/>
+            </a:prstGeom>
+            <a:ln w="25400"/>
+          </p:spPr>
+          <p:style>
+            <a:lnRef idx="1">
+              <a:schemeClr val="accent1"/>
+            </a:lnRef>
+            <a:fillRef idx="0">
+              <a:schemeClr val="accent1"/>
+            </a:fillRef>
+            <a:effectRef idx="0">
+              <a:schemeClr val="accent1"/>
+            </a:effectRef>
+            <a:fontRef idx="minor">
+              <a:schemeClr val="tx1"/>
+            </a:fontRef>
+          </p:style>
+        </p:cxnSp>
+      </p:grpSp>
+      <p:sp>
+        <p:nvSpPr>
+          <p:cNvPr id="5" name="직사각형 4"/>
+          <p:cNvSpPr/>
+          <p:nvPr/>
+        </p:nvSpPr>
+        <p:spPr>
+          <a:xfrm>
+            <a:off x="24932" y="2298421"/>
+            <a:ext cx="4804520" cy="400110"/>
+          </a:xfrm>
+          <a:prstGeom prst="rect">
+            <a:avLst/>
+          </a:prstGeom>
+          <a:noFill/>
+        </p:spPr>
+        <p:txBody>
+          <a:bodyPr wrap="none" lIns="91440" tIns="45720" rIns="91440" bIns="45720">
+            <a:spAutoFit/>
+          </a:bodyPr>
+          <a:lstStyle/>
+          <a:p>
+            <a:pPr algn="ctr"/>
+            <a:r>
+              <a:rPr lang="ko-KR" altLang="en-US" sz="2000" b="0" cap="none" spc="0" dirty="0">
+                <a:ln w="0"/>
+                <a:solidFill>
+                  <a:schemeClr val="accent1"/>
+                </a:solidFill>
+                <a:effectLst>
+                  <a:outerShdw blurRad="38100" dist="25400" dir="5400000" algn="ctr" rotWithShape="0">
+                    <a:srgbClr val="6E747A">
+                      <a:alpha val="43000"/>
+                    </a:srgbClr>
+                  </a:outerShdw>
+                </a:effectLst>
+              </a:rPr>
+              <a:t>양감초등학교 </a:t>
+            </a:r>
+            <a:r>
+              <a:rPr lang="en-US" altLang="ko-KR" sz="2000" b="0" cap="none" spc="0" dirty="0">
+                <a:ln w="0"/>
+                <a:solidFill>
+                  <a:schemeClr val="accent1"/>
+                </a:solidFill>
+                <a:effectLst>
+                  <a:outerShdw blurRad="38100" dist="25400" dir="5400000" algn="ctr" rotWithShape="0">
+                    <a:srgbClr val="6E747A">
+                      <a:alpha val="43000"/>
+                    </a:srgbClr>
+                  </a:outerShdw>
+                </a:effectLst>
+              </a:rPr>
+              <a:t>4</a:t>
+            </a:r>
+            <a:r>
+              <a:rPr lang="ko-KR" altLang="en-US" sz="2000" b="0" cap="none" spc="0" dirty="0">
+                <a:ln w="0"/>
+                <a:solidFill>
+                  <a:schemeClr val="accent1"/>
+                </a:solidFill>
+                <a:effectLst>
+                  <a:outerShdw blurRad="38100" dist="25400" dir="5400000" algn="ctr" rotWithShape="0">
+                    <a:srgbClr val="6E747A">
+                      <a:alpha val="43000"/>
+                    </a:srgbClr>
+                  </a:outerShdw>
+                </a:effectLst>
+              </a:rPr>
+              <a:t>학년 </a:t>
+            </a:r>
+            <a:r>
+              <a:rPr lang="en-US" altLang="ko-KR" sz="2000" b="0" cap="none" spc="0" dirty="0">
+                <a:ln w="0"/>
+                <a:solidFill>
+                  <a:schemeClr val="accent1"/>
+                </a:solidFill>
+                <a:effectLst>
+                  <a:outerShdw blurRad="38100" dist="25400" dir="5400000" algn="ctr" rotWithShape="0">
+                    <a:srgbClr val="6E747A">
+                      <a:alpha val="43000"/>
+                    </a:srgbClr>
+                  </a:outerShdw>
+                </a:effectLst>
+              </a:rPr>
+              <a:t>1</a:t>
+            </a:r>
+            <a:r>
+              <a:rPr lang="ko-KR" altLang="en-US" sz="2000" b="0" cap="none" spc="0" dirty="0">
+                <a:ln w="0"/>
+                <a:solidFill>
+                  <a:schemeClr val="accent1"/>
+                </a:solidFill>
+                <a:effectLst>
+                  <a:outerShdw blurRad="38100" dist="25400" dir="5400000" algn="ctr" rotWithShape="0">
+                    <a:srgbClr val="6E747A">
+                      <a:alpha val="43000"/>
+                    </a:srgbClr>
+                  </a:outerShdw>
+                </a:effectLst>
+              </a:rPr>
+              <a:t>반 </a:t>
+            </a:r>
+            <a:r>
+              <a:rPr lang="en-US" altLang="ko-KR" sz="2000" b="0" cap="none" spc="0" dirty="0">
+                <a:ln w="0"/>
+                <a:solidFill>
+                  <a:schemeClr val="accent1"/>
+                </a:solidFill>
+                <a:effectLst>
+                  <a:outerShdw blurRad="38100" dist="25400" dir="5400000" algn="ctr" rotWithShape="0">
+                    <a:srgbClr val="6E747A">
+                      <a:alpha val="43000"/>
+                    </a:srgbClr>
+                  </a:outerShdw>
+                </a:effectLst>
+              </a:rPr>
+              <a:t>1</a:t>
+            </a:r>
+            <a:r>
+              <a:rPr lang="ko-KR" altLang="en-US" sz="2000" b="0" cap="none" spc="0" dirty="0">
+                <a:ln w="0"/>
+                <a:solidFill>
+                  <a:schemeClr val="accent1"/>
+                </a:solidFill>
+                <a:effectLst>
+                  <a:outerShdw blurRad="38100" dist="25400" dir="5400000" algn="ctr" rotWithShape="0">
+                    <a:srgbClr val="6E747A">
+                      <a:alpha val="43000"/>
+                    </a:srgbClr>
+                  </a:outerShdw>
+                </a:effectLst>
+              </a:rPr>
+              <a:t>번 </a:t>
+            </a:r>
+            <a:r>
+              <a:rPr lang="ko-KR" altLang="en-US" sz="2000" b="0" cap="none" spc="0" dirty="0" err="1">
+                <a:ln w="0"/>
+                <a:solidFill>
+                  <a:schemeClr val="accent1"/>
+                </a:solidFill>
+                <a:effectLst>
+                  <a:outerShdw blurRad="38100" dist="25400" dir="5400000" algn="ctr" rotWithShape="0">
+                    <a:srgbClr val="6E747A">
+                      <a:alpha val="43000"/>
+                    </a:srgbClr>
+                  </a:outerShdw>
+                </a:effectLst>
+              </a:rPr>
+              <a:t>김가가</a:t>
+            </a:r>
+            <a:r>
+              <a:rPr lang="en-US" altLang="ko-KR" sz="2000" b="0" cap="none" spc="0" dirty="0">
+                <a:ln w="0"/>
+                <a:solidFill>
+                  <a:schemeClr val="accent1"/>
+                </a:solidFill>
+                <a:effectLst>
+                  <a:outerShdw blurRad="38100" dist="25400" dir="5400000" algn="ctr" rotWithShape="0">
+                    <a:srgbClr val="6E747A">
+                      <a:alpha val="43000"/>
+                    </a:srgbClr>
+                  </a:outerShdw>
+                </a:effectLst>
+              </a:rPr>
+              <a:t>(</a:t>
+            </a:r>
+            <a:r>
+              <a:rPr lang="ko-KR" altLang="en-US" sz="2000" b="0" cap="none" spc="0" dirty="0">
+                <a:ln w="0"/>
+                <a:solidFill>
+                  <a:schemeClr val="accent1"/>
+                </a:solidFill>
+                <a:effectLst>
+                  <a:outerShdw blurRad="38100" dist="25400" dir="5400000" algn="ctr" rotWithShape="0">
+                    <a:srgbClr val="6E747A">
+                      <a:alpha val="43000"/>
+                    </a:srgbClr>
+                  </a:outerShdw>
+                </a:effectLst>
+              </a:rPr>
+              <a:t>여</a:t>
+            </a:r>
+            <a:r>
+              <a:rPr lang="en-US" altLang="ko-KR" sz="2000" b="0" cap="none" spc="0" dirty="0">
+                <a:ln w="0"/>
+                <a:solidFill>
+                  <a:schemeClr val="accent1"/>
+                </a:solidFill>
+                <a:effectLst>
+                  <a:outerShdw blurRad="38100" dist="25400" dir="5400000" algn="ctr" rotWithShape="0">
+                    <a:srgbClr val="6E747A">
+                      <a:alpha val="43000"/>
+                    </a:srgbClr>
+                  </a:outerShdw>
+                </a:effectLst>
+              </a:rPr>
+              <a:t>)</a:t>
+            </a:r>
+            <a:r>
+              <a:rPr lang="ko-KR" altLang="en-US" sz="2000" b="0" cap="none" spc="0" dirty="0">
+                <a:ln w="0"/>
+                <a:solidFill>
+                  <a:schemeClr val="accent1"/>
+                </a:solidFill>
+                <a:effectLst>
+                  <a:outerShdw blurRad="38100" dist="25400" dir="5400000" algn="ctr" rotWithShape="0">
+                    <a:srgbClr val="6E747A">
+                      <a:alpha val="43000"/>
+                    </a:srgbClr>
+                  </a:outerShdw>
+                </a:effectLst>
+              </a:rPr>
+              <a:t> </a:t>
+            </a:r>
+            <a:endParaRPr lang="en-US" altLang="ko-KR" sz="2000" b="0" cap="none" spc="0" dirty="0">
+              <a:ln w="0"/>
+              <a:solidFill>
+                <a:schemeClr val="accent1"/>
+              </a:solidFill>
+              <a:effectLst>
+                <a:outerShdw blurRad="38100" dist="25400" dir="5400000" algn="ctr" rotWithShape="0">
+                  <a:srgbClr val="6E747A">
+                    <a:alpha val="43000"/>
+                  </a:srgbClr>
+                </a:outerShdw>
+              </a:effectLst>
+            </a:endParaRPr>
+          </a:p>
+        </p:txBody>
+      </p:sp>
+      <p:sp>
+        <p:nvSpPr>
+          <p:cNvPr id="30" name="직사각형 29">
+            <a:hlinkClick r:id="rId6" action="ppaction://hlinksldjump"/>
+            <a:extLst>
+              <a:ext uri="{FF2B5EF4-FFF2-40B4-BE49-F238E27FC236}">
+                <a16:creationId xmlns:a16="http://schemas.microsoft.com/office/drawing/2014/main" id="{1FCD3923-75F8-4675-9486-66F2C3C30475}"/>
+              </a:ext>
+            </a:extLst>
+          </p:cNvPr>
+          <p:cNvSpPr/>
+          <p:nvPr/>
+        </p:nvSpPr>
+        <p:spPr>
+          <a:xfrm>
+            <a:off x="273379" y="5344860"/>
+            <a:ext cx="1961965" cy="1106307"/>
+          </a:xfrm>
+          <a:prstGeom prst="rect">
+            <a:avLst/>
+          </a:prstGeom>
+        </p:spPr>
+        <p:style>
+          <a:lnRef idx="2">
+            <a:schemeClr val="accent1">
+              <a:shade val="50000"/>
+            </a:schemeClr>
+          </a:lnRef>
+          <a:fillRef idx="1">
+            <a:schemeClr val="accent1"/>
+          </a:fillRef>
+          <a:effectRef idx="0">
+            <a:schemeClr val="accent1"/>
+          </a:effectRef>
+          <a:fontRef idx="minor">
+            <a:schemeClr val="lt1"/>
+          </a:fontRef>
+        </p:style>
+        <p:txBody>
+          <a:bodyPr rtlCol="0" anchor="ctr"/>
+          <a:lstStyle/>
+          <a:p>
+            <a:pPr algn="ctr"/>
+            <a:r>
+              <a:rPr lang="ko-KR" altLang="en-US" dirty="0"/>
+              <a:t>나의 기록</a:t>
+            </a:r>
+          </a:p>
+        </p:txBody>
+      </p:sp>
+      <p:sp>
+        <p:nvSpPr>
+          <p:cNvPr id="31" name="직사각형 30">
+            <a:hlinkClick r:id="rId7" action="ppaction://hlinksldjump"/>
+            <a:extLst>
+              <a:ext uri="{FF2B5EF4-FFF2-40B4-BE49-F238E27FC236}">
+                <a16:creationId xmlns:a16="http://schemas.microsoft.com/office/drawing/2014/main" id="{29CD9D53-1A57-4CD6-901D-1E71B3E482C9}"/>
+              </a:ext>
+            </a:extLst>
+          </p:cNvPr>
+          <p:cNvSpPr/>
+          <p:nvPr/>
+        </p:nvSpPr>
+        <p:spPr>
+          <a:xfrm>
+            <a:off x="2617203" y="5344860"/>
+            <a:ext cx="1961965" cy="1106307"/>
+          </a:xfrm>
+          <a:prstGeom prst="rect">
+            <a:avLst/>
+          </a:prstGeom>
+        </p:spPr>
+        <p:style>
+          <a:lnRef idx="2">
+            <a:schemeClr val="accent1">
+              <a:shade val="50000"/>
+            </a:schemeClr>
+          </a:lnRef>
+          <a:fillRef idx="1">
+            <a:schemeClr val="accent1"/>
+          </a:fillRef>
+          <a:effectRef idx="0">
+            <a:schemeClr val="accent1"/>
+          </a:effectRef>
+          <a:fontRef idx="minor">
+            <a:schemeClr val="lt1"/>
+          </a:fontRef>
+        </p:style>
+        <p:txBody>
+          <a:bodyPr rtlCol="0" anchor="ctr"/>
+          <a:lstStyle/>
+          <a:p>
+            <a:pPr algn="ctr"/>
+            <a:r>
+              <a:rPr lang="ko-KR" altLang="en-US" dirty="0"/>
+              <a:t>나의 미션</a:t>
+            </a:r>
+          </a:p>
+        </p:txBody>
+      </p:sp>
+      <p:sp>
+        <p:nvSpPr>
+          <p:cNvPr id="32" name="TextBox 31">
+            <a:extLst>
+              <a:ext uri="{FF2B5EF4-FFF2-40B4-BE49-F238E27FC236}">
+                <a16:creationId xmlns:a16="http://schemas.microsoft.com/office/drawing/2014/main" id="{72F7FB3A-4DDC-4EB4-B362-FE8748AA1C32}"/>
+              </a:ext>
+            </a:extLst>
+          </p:cNvPr>
+          <p:cNvSpPr txBox="1"/>
+          <p:nvPr/>
+        </p:nvSpPr>
+        <p:spPr>
+          <a:xfrm>
+            <a:off x="5242560" y="332521"/>
+            <a:ext cx="5709920" cy="4247317"/>
+          </a:xfrm>
+          <a:prstGeom prst="rect">
+            <a:avLst/>
+          </a:prstGeom>
+          <a:noFill/>
+        </p:spPr>
+        <p:txBody>
+          <a:bodyPr wrap="square" rtlCol="0">
+            <a:spAutoFit/>
+          </a:bodyPr>
+          <a:lstStyle/>
+          <a:p>
+            <a:pPr>
+              <a:lnSpc>
+                <a:spcPct val="150000"/>
+              </a:lnSpc>
+            </a:pPr>
+            <a:r>
+              <a:rPr lang="ko-KR" altLang="en-US" dirty="0"/>
+              <a:t>앞에서 로그인을 통해 들어오므로 기초정보는 없어도 되지 않을까 싶음</a:t>
+            </a:r>
+            <a:r>
+              <a:rPr lang="en-US" altLang="ko-KR" dirty="0"/>
+              <a:t>.</a:t>
+            </a:r>
+          </a:p>
+          <a:p>
+            <a:pPr>
+              <a:lnSpc>
+                <a:spcPct val="150000"/>
+              </a:lnSpc>
+            </a:pPr>
+            <a:endParaRPr lang="en-US" altLang="ko-KR" dirty="0"/>
+          </a:p>
+          <a:p>
+            <a:pPr>
+              <a:lnSpc>
+                <a:spcPct val="150000"/>
+              </a:lnSpc>
+            </a:pPr>
+            <a:r>
+              <a:rPr lang="ko-KR" altLang="en-US" dirty="0"/>
+              <a:t>홈 버튼을 누르면 여기로 옴</a:t>
+            </a:r>
+            <a:endParaRPr lang="en-US" altLang="ko-KR" dirty="0"/>
+          </a:p>
+          <a:p>
+            <a:pPr>
+              <a:lnSpc>
+                <a:spcPct val="150000"/>
+              </a:lnSpc>
+            </a:pPr>
+            <a:endParaRPr lang="en-US" altLang="ko-KR" dirty="0">
+              <a:solidFill>
+                <a:schemeClr val="accent1"/>
+              </a:solidFill>
+            </a:endParaRPr>
+          </a:p>
+          <a:p>
+            <a:pPr>
+              <a:lnSpc>
+                <a:spcPct val="150000"/>
+              </a:lnSpc>
+            </a:pPr>
+            <a:r>
+              <a:rPr lang="ko-KR" altLang="en-US" dirty="0">
+                <a:solidFill>
+                  <a:srgbClr val="FF0000"/>
+                </a:solidFill>
+              </a:rPr>
+              <a:t>팝스 클릭</a:t>
+            </a:r>
+            <a:endParaRPr lang="en-US" altLang="ko-KR" dirty="0">
+              <a:solidFill>
+                <a:srgbClr val="FF0000"/>
+              </a:solidFill>
+            </a:endParaRPr>
+          </a:p>
+          <a:p>
+            <a:pPr>
+              <a:lnSpc>
+                <a:spcPct val="150000"/>
+              </a:lnSpc>
+            </a:pPr>
+            <a:r>
+              <a:rPr lang="ko-KR" altLang="en-US" dirty="0" err="1">
+                <a:solidFill>
+                  <a:srgbClr val="FF0000"/>
+                </a:solidFill>
+              </a:rPr>
+              <a:t>체력업팁</a:t>
+            </a:r>
+            <a:r>
+              <a:rPr lang="ko-KR" altLang="en-US" dirty="0">
+                <a:solidFill>
+                  <a:srgbClr val="FF0000"/>
+                </a:solidFill>
+              </a:rPr>
+              <a:t> 클릭</a:t>
+            </a:r>
+            <a:endParaRPr lang="en-US" altLang="ko-KR" dirty="0">
+              <a:solidFill>
+                <a:srgbClr val="FF0000"/>
+              </a:solidFill>
+            </a:endParaRPr>
+          </a:p>
+          <a:p>
+            <a:pPr>
+              <a:lnSpc>
+                <a:spcPct val="150000"/>
+              </a:lnSpc>
+            </a:pPr>
+            <a:r>
+              <a:rPr lang="ko-KR" altLang="en-US" dirty="0">
+                <a:solidFill>
+                  <a:srgbClr val="FF0000"/>
+                </a:solidFill>
+              </a:rPr>
+              <a:t>와글와글 클릭</a:t>
+            </a:r>
+            <a:endParaRPr lang="en-US" altLang="ko-KR" dirty="0">
+              <a:solidFill>
+                <a:srgbClr val="FF0000"/>
+              </a:solidFill>
+            </a:endParaRPr>
+          </a:p>
+          <a:p>
+            <a:pPr>
+              <a:lnSpc>
+                <a:spcPct val="150000"/>
+              </a:lnSpc>
+            </a:pPr>
+            <a:r>
+              <a:rPr lang="ko-KR" altLang="en-US" dirty="0">
+                <a:solidFill>
+                  <a:srgbClr val="FF0000"/>
+                </a:solidFill>
+              </a:rPr>
+              <a:t>나의 기록 클릭</a:t>
+            </a:r>
+            <a:endParaRPr lang="en-US" altLang="ko-KR" dirty="0">
+              <a:solidFill>
+                <a:srgbClr val="FF0000"/>
+              </a:solidFill>
+            </a:endParaRPr>
+          </a:p>
+          <a:p>
+            <a:pPr>
+              <a:lnSpc>
+                <a:spcPct val="150000"/>
+              </a:lnSpc>
+            </a:pPr>
+            <a:r>
+              <a:rPr lang="ko-KR" altLang="en-US" dirty="0">
+                <a:solidFill>
+                  <a:srgbClr val="FF0000"/>
+                </a:solidFill>
+              </a:rPr>
+              <a:t>로그인 클릭</a:t>
+            </a:r>
+            <a:endParaRPr lang="en-US" altLang="ko-KR" dirty="0">
+              <a:solidFill>
+                <a:srgbClr val="FF0000"/>
+              </a:solidFill>
+            </a:endParaRPr>
+          </a:p>
+        </p:txBody>
+      </p:sp>
+    </p:spTree>
+    <p:extLst>
+      <p:ext uri="{BB962C8B-B14F-4D97-AF65-F5344CB8AC3E}">
+        <p14:creationId xmlns:p14="http://schemas.microsoft.com/office/powerpoint/2010/main" val="3132866088"/>
+      </p:ext>
+    </p:extLst>
+  </p:cSld>
+  <p:clrMapOvr>
+    <a:masterClrMapping/>
+  </p:clrMapOvr>
+</p:sld>
+</file>
+
+<file path=ppt/slides/slide20.xml><?xml version="1.0" encoding="utf-8"?>
 <p:sld xmlns:a="http://schemas.openxmlformats.org/drawingml/2006/main" xmlns:r="http://schemas.openxmlformats.org/officeDocument/2006/relationships" xmlns:p="http://schemas.openxmlformats.org/presentationml/2006/main">
   <p:cSld>
     <p:spTree>
@@ -20343,1200 +23074,7 @@
 </p:sld>
 </file>
 
-<file path=ppt/slides/slide2.xml><?xml version="1.0" encoding="utf-8"?>
-<p:sld xmlns:a="http://schemas.openxmlformats.org/drawingml/2006/main" xmlns:r="http://schemas.openxmlformats.org/officeDocument/2006/relationships" xmlns:p="http://schemas.openxmlformats.org/presentationml/2006/main">
-  <p:cSld>
-    <p:spTree>
-      <p:nvGrpSpPr>
-        <p:cNvPr id="1" name=""/>
-        <p:cNvGrpSpPr/>
-        <p:nvPr/>
-      </p:nvGrpSpPr>
-      <p:grpSpPr>
-        <a:xfrm>
-          <a:off x="0" y="0"/>
-          <a:ext cx="0" cy="0"/>
-          <a:chOff x="0" y="0"/>
-          <a:chExt cx="0" cy="0"/>
-        </a:xfrm>
-      </p:grpSpPr>
-      <p:sp>
-        <p:nvSpPr>
-          <p:cNvPr id="4" name="직사각형 3"/>
-          <p:cNvSpPr/>
-          <p:nvPr/>
-        </p:nvSpPr>
-        <p:spPr>
-          <a:xfrm>
-            <a:off x="0" y="29881"/>
-            <a:ext cx="4829452" cy="6858000"/>
-          </a:xfrm>
-          <a:prstGeom prst="rect">
-            <a:avLst/>
-          </a:prstGeom>
-          <a:ln w="57150"/>
-        </p:spPr>
-        <p:style>
-          <a:lnRef idx="2">
-            <a:schemeClr val="dk1"/>
-          </a:lnRef>
-          <a:fillRef idx="1">
-            <a:schemeClr val="lt1"/>
-          </a:fillRef>
-          <a:effectRef idx="0">
-            <a:schemeClr val="dk1"/>
-          </a:effectRef>
-          <a:fontRef idx="minor">
-            <a:schemeClr val="dk1"/>
-          </a:fontRef>
-        </p:style>
-        <p:txBody>
-          <a:bodyPr rtlCol="0" anchor="ctr"/>
-          <a:lstStyle/>
-          <a:p>
-            <a:pPr algn="ctr"/>
-            <a:endParaRPr lang="ko-KR" altLang="en-US" dirty="0"/>
-          </a:p>
-        </p:txBody>
-      </p:sp>
-      <p:sp>
-        <p:nvSpPr>
-          <p:cNvPr id="2" name="직사각형 1"/>
-          <p:cNvSpPr/>
-          <p:nvPr/>
-        </p:nvSpPr>
-        <p:spPr>
-          <a:xfrm>
-            <a:off x="273379" y="2810428"/>
-            <a:ext cx="1961965" cy="1204331"/>
-          </a:xfrm>
-          <a:prstGeom prst="rect">
-            <a:avLst/>
-          </a:prstGeom>
-        </p:spPr>
-        <p:style>
-          <a:lnRef idx="2">
-            <a:schemeClr val="accent1">
-              <a:shade val="50000"/>
-            </a:schemeClr>
-          </a:lnRef>
-          <a:fillRef idx="1">
-            <a:schemeClr val="accent1"/>
-          </a:fillRef>
-          <a:effectRef idx="0">
-            <a:schemeClr val="accent1"/>
-          </a:effectRef>
-          <a:fontRef idx="minor">
-            <a:schemeClr val="lt1"/>
-          </a:fontRef>
-        </p:style>
-        <p:txBody>
-          <a:bodyPr rtlCol="0" anchor="ctr"/>
-          <a:lstStyle/>
-          <a:p>
-            <a:pPr algn="ctr"/>
-            <a:r>
-              <a:rPr lang="ko-KR" altLang="en-US" dirty="0"/>
-              <a:t>기초정보</a:t>
-            </a:r>
-          </a:p>
-        </p:txBody>
-      </p:sp>
-      <p:sp>
-        <p:nvSpPr>
-          <p:cNvPr id="16" name="직사각형 15">
-            <a:hlinkClick r:id="rId2" action="ppaction://hlinksldjump"/>
-          </p:cNvPr>
-          <p:cNvSpPr/>
-          <p:nvPr/>
-        </p:nvSpPr>
-        <p:spPr>
-          <a:xfrm>
-            <a:off x="2608100" y="2810427"/>
-            <a:ext cx="1961965" cy="1204331"/>
-          </a:xfrm>
-          <a:prstGeom prst="rect">
-            <a:avLst/>
-          </a:prstGeom>
-        </p:spPr>
-        <p:style>
-          <a:lnRef idx="2">
-            <a:schemeClr val="accent1">
-              <a:shade val="50000"/>
-            </a:schemeClr>
-          </a:lnRef>
-          <a:fillRef idx="1">
-            <a:schemeClr val="accent1"/>
-          </a:fillRef>
-          <a:effectRef idx="0">
-            <a:schemeClr val="accent1"/>
-          </a:effectRef>
-          <a:fontRef idx="minor">
-            <a:schemeClr val="lt1"/>
-          </a:fontRef>
-        </p:style>
-        <p:txBody>
-          <a:bodyPr rtlCol="0" anchor="ctr"/>
-          <a:lstStyle/>
-          <a:p>
-            <a:pPr algn="ctr"/>
-            <a:r>
-              <a:rPr lang="ko-KR" altLang="en-US" dirty="0"/>
-              <a:t>팝스</a:t>
-            </a:r>
-          </a:p>
-        </p:txBody>
-      </p:sp>
-      <p:sp>
-        <p:nvSpPr>
-          <p:cNvPr id="17" name="직사각형 16">
-            <a:hlinkClick r:id="rId3" action="ppaction://hlinksldjump"/>
-          </p:cNvPr>
-          <p:cNvSpPr/>
-          <p:nvPr/>
-        </p:nvSpPr>
-        <p:spPr>
-          <a:xfrm>
-            <a:off x="282959" y="4126656"/>
-            <a:ext cx="1961965" cy="1106307"/>
-          </a:xfrm>
-          <a:prstGeom prst="rect">
-            <a:avLst/>
-          </a:prstGeom>
-        </p:spPr>
-        <p:style>
-          <a:lnRef idx="2">
-            <a:schemeClr val="accent1">
-              <a:shade val="50000"/>
-            </a:schemeClr>
-          </a:lnRef>
-          <a:fillRef idx="1">
-            <a:schemeClr val="accent1"/>
-          </a:fillRef>
-          <a:effectRef idx="0">
-            <a:schemeClr val="accent1"/>
-          </a:effectRef>
-          <a:fontRef idx="minor">
-            <a:schemeClr val="lt1"/>
-          </a:fontRef>
-        </p:style>
-        <p:txBody>
-          <a:bodyPr rtlCol="0" anchor="ctr"/>
-          <a:lstStyle/>
-          <a:p>
-            <a:pPr algn="ctr"/>
-            <a:r>
-              <a:rPr lang="ko-KR" altLang="en-US" dirty="0"/>
-              <a:t>체력 </a:t>
-            </a:r>
-            <a:r>
-              <a:rPr lang="en-US" altLang="ko-KR" dirty="0"/>
-              <a:t>UP! TIP!</a:t>
-            </a:r>
-            <a:endParaRPr lang="ko-KR" altLang="en-US" dirty="0"/>
-          </a:p>
-        </p:txBody>
-      </p:sp>
-      <p:sp>
-        <p:nvSpPr>
-          <p:cNvPr id="18" name="직사각형 17">
-            <a:hlinkClick r:id="rId4" action="ppaction://hlinksldjump"/>
-          </p:cNvPr>
-          <p:cNvSpPr/>
-          <p:nvPr/>
-        </p:nvSpPr>
-        <p:spPr>
-          <a:xfrm>
-            <a:off x="2608099" y="4126656"/>
-            <a:ext cx="1961965" cy="1106307"/>
-          </a:xfrm>
-          <a:prstGeom prst="rect">
-            <a:avLst/>
-          </a:prstGeom>
-        </p:spPr>
-        <p:style>
-          <a:lnRef idx="2">
-            <a:schemeClr val="accent1">
-              <a:shade val="50000"/>
-            </a:schemeClr>
-          </a:lnRef>
-          <a:fillRef idx="1">
-            <a:schemeClr val="accent1"/>
-          </a:fillRef>
-          <a:effectRef idx="0">
-            <a:schemeClr val="accent1"/>
-          </a:effectRef>
-          <a:fontRef idx="minor">
-            <a:schemeClr val="lt1"/>
-          </a:fontRef>
-        </p:style>
-        <p:txBody>
-          <a:bodyPr rtlCol="0" anchor="ctr"/>
-          <a:lstStyle/>
-          <a:p>
-            <a:pPr algn="ctr"/>
-            <a:r>
-              <a:rPr lang="ko-KR" altLang="en-US" dirty="0"/>
-              <a:t>와글와글</a:t>
-            </a:r>
-          </a:p>
-        </p:txBody>
-      </p:sp>
-      <p:sp>
-        <p:nvSpPr>
-          <p:cNvPr id="3" name="직사각형 2"/>
-          <p:cNvSpPr/>
-          <p:nvPr/>
-        </p:nvSpPr>
-        <p:spPr>
-          <a:xfrm>
-            <a:off x="3015842" y="1352285"/>
-            <a:ext cx="1563326" cy="400110"/>
-          </a:xfrm>
-          <a:prstGeom prst="rect">
-            <a:avLst/>
-          </a:prstGeom>
-          <a:noFill/>
-        </p:spPr>
-        <p:txBody>
-          <a:bodyPr wrap="square" lIns="91440" tIns="45720" rIns="91440" bIns="45720">
-            <a:spAutoFit/>
-          </a:bodyPr>
-          <a:lstStyle/>
-          <a:p>
-            <a:pPr algn="ctr"/>
-            <a:r>
-              <a:rPr lang="ko-KR" altLang="en-US" sz="2000" b="1" cap="none" spc="0" dirty="0">
-                <a:ln w="22225">
-                  <a:solidFill>
-                    <a:schemeClr val="accent2"/>
-                  </a:solidFill>
-                  <a:prstDash val="solid"/>
-                </a:ln>
-                <a:solidFill>
-                  <a:schemeClr val="accent2">
-                    <a:lumMod val="40000"/>
-                    <a:lumOff val="60000"/>
-                  </a:schemeClr>
-                </a:solidFill>
-                <a:effectLst/>
-              </a:rPr>
-              <a:t>학생 </a:t>
-            </a:r>
-            <a:r>
-              <a:rPr lang="en-US" altLang="ko-KR" sz="2000" b="1" cap="none" spc="0" dirty="0" err="1">
-                <a:ln w="22225">
-                  <a:solidFill>
-                    <a:schemeClr val="accent2"/>
-                  </a:solidFill>
-                  <a:prstDash val="solid"/>
-                </a:ln>
-                <a:solidFill>
-                  <a:schemeClr val="accent2">
-                    <a:lumMod val="40000"/>
-                    <a:lumOff val="60000"/>
-                  </a:schemeClr>
-                </a:solidFill>
-                <a:effectLst/>
-              </a:rPr>
-              <a:t>ver</a:t>
-            </a:r>
-            <a:endParaRPr lang="en-US" altLang="ko-KR" sz="2000" b="1" cap="none" spc="0" dirty="0">
-              <a:ln w="22225">
-                <a:solidFill>
-                  <a:schemeClr val="accent2"/>
-                </a:solidFill>
-                <a:prstDash val="solid"/>
-              </a:ln>
-              <a:solidFill>
-                <a:schemeClr val="accent2">
-                  <a:lumMod val="40000"/>
-                  <a:lumOff val="60000"/>
-                </a:schemeClr>
-              </a:solidFill>
-              <a:effectLst/>
-            </a:endParaRPr>
-          </a:p>
-        </p:txBody>
-      </p:sp>
-      <p:grpSp>
-        <p:nvGrpSpPr>
-          <p:cNvPr id="20" name="그룹 19"/>
-          <p:cNvGrpSpPr/>
-          <p:nvPr/>
-        </p:nvGrpSpPr>
-        <p:grpSpPr>
-          <a:xfrm>
-            <a:off x="215109" y="213739"/>
-            <a:ext cx="2598498" cy="1632885"/>
-            <a:chOff x="215109" y="-22544"/>
-            <a:chExt cx="3836270" cy="1809394"/>
-          </a:xfrm>
-        </p:grpSpPr>
-        <p:grpSp>
-          <p:nvGrpSpPr>
-            <p:cNvPr id="21" name="그룹 20"/>
-            <p:cNvGrpSpPr/>
-            <p:nvPr/>
-          </p:nvGrpSpPr>
-          <p:grpSpPr>
-            <a:xfrm>
-              <a:off x="1521117" y="-22544"/>
-              <a:ext cx="2530262" cy="1809394"/>
-              <a:chOff x="556336" y="-76730"/>
-              <a:chExt cx="2530262" cy="1809394"/>
-            </a:xfrm>
-          </p:grpSpPr>
-          <p:grpSp>
-            <p:nvGrpSpPr>
-              <p:cNvPr id="26" name="그룹 25"/>
-              <p:cNvGrpSpPr/>
-              <p:nvPr/>
-            </p:nvGrpSpPr>
-            <p:grpSpPr>
-              <a:xfrm>
-                <a:off x="556336" y="880049"/>
-                <a:ext cx="2530262" cy="852615"/>
-                <a:chOff x="1266549" y="1013745"/>
-                <a:chExt cx="2530262" cy="852615"/>
-              </a:xfrm>
-            </p:grpSpPr>
-            <p:sp>
-              <p:nvSpPr>
-                <p:cNvPr id="28" name="직사각형 27"/>
-                <p:cNvSpPr/>
-                <p:nvPr/>
-              </p:nvSpPr>
-              <p:spPr>
-                <a:xfrm>
-                  <a:off x="1266549" y="1255568"/>
-                  <a:ext cx="1181397" cy="511569"/>
-                </a:xfrm>
-                <a:prstGeom prst="rect">
-                  <a:avLst/>
-                </a:prstGeom>
-                <a:noFill/>
-              </p:spPr>
-              <p:txBody>
-                <a:bodyPr wrap="none" lIns="91440" tIns="45720" rIns="91440" bIns="45720">
-                  <a:spAutoFit/>
-                </a:bodyPr>
-                <a:lstStyle/>
-                <a:p>
-                  <a:pPr algn="ctr"/>
-                  <a:r>
-                    <a:rPr lang="ko-KR" altLang="en-US" sz="2400" dirty="0">
-                      <a:ln w="0"/>
-                      <a:effectLst>
-                        <a:outerShdw blurRad="38100" dist="19050" dir="2700000" algn="tl" rotWithShape="0">
-                          <a:schemeClr val="dk1">
-                            <a:alpha val="40000"/>
-                          </a:schemeClr>
-                        </a:outerShdw>
-                      </a:effectLst>
-                    </a:rPr>
-                    <a:t>체력</a:t>
-                  </a:r>
-                  <a:endParaRPr lang="en-US" altLang="ko-KR" sz="2400" dirty="0">
-                    <a:ln w="0"/>
-                    <a:effectLst>
-                      <a:outerShdw blurRad="38100" dist="19050" dir="2700000" algn="tl" rotWithShape="0">
-                        <a:schemeClr val="dk1">
-                          <a:alpha val="40000"/>
-                        </a:schemeClr>
-                      </a:outerShdw>
-                    </a:effectLst>
-                  </a:endParaRPr>
-                </a:p>
-              </p:txBody>
-            </p:sp>
-            <p:sp>
-              <p:nvSpPr>
-                <p:cNvPr id="29" name="직사각형 28"/>
-                <p:cNvSpPr/>
-                <p:nvPr/>
-              </p:nvSpPr>
-              <p:spPr>
-                <a:xfrm>
-                  <a:off x="2325462" y="1013745"/>
-                  <a:ext cx="1471349" cy="852615"/>
-                </a:xfrm>
-                <a:prstGeom prst="rect">
-                  <a:avLst/>
-                </a:prstGeom>
-                <a:noFill/>
-              </p:spPr>
-              <p:txBody>
-                <a:bodyPr wrap="square" lIns="91440" tIns="45720" rIns="91440" bIns="45720">
-                  <a:spAutoFit/>
-                </a:bodyPr>
-                <a:lstStyle/>
-                <a:p>
-                  <a:pPr algn="ctr"/>
-                  <a:r>
-                    <a:rPr lang="en-US" altLang="ko-KR" sz="4400" b="1" dirty="0">
-                      <a:ln w="12700" cmpd="sng">
-                        <a:solidFill>
-                          <a:schemeClr val="accent4"/>
-                        </a:solidFill>
-                        <a:prstDash val="solid"/>
-                      </a:ln>
-                      <a:gradFill>
-                        <a:gsLst>
-                          <a:gs pos="0">
-                            <a:schemeClr val="accent4"/>
-                          </a:gs>
-                          <a:gs pos="4000">
-                            <a:schemeClr val="accent4">
-                              <a:lumMod val="60000"/>
-                              <a:lumOff val="40000"/>
-                            </a:schemeClr>
-                          </a:gs>
-                          <a:gs pos="87000">
-                            <a:schemeClr val="accent4">
-                              <a:lumMod val="20000"/>
-                              <a:lumOff val="80000"/>
-                            </a:schemeClr>
-                          </a:gs>
-                        </a:gsLst>
-                        <a:lin ang="5400000"/>
-                      </a:gradFill>
-                    </a:rPr>
-                    <a:t>Up</a:t>
-                  </a:r>
-                  <a:endParaRPr lang="en-US" altLang="ko-KR" sz="4400" b="1" cap="none" spc="0" dirty="0">
-                    <a:ln w="12700" cmpd="sng">
-                      <a:solidFill>
-                        <a:schemeClr val="accent4"/>
-                      </a:solidFill>
-                      <a:prstDash val="solid"/>
-                    </a:ln>
-                    <a:gradFill>
-                      <a:gsLst>
-                        <a:gs pos="0">
-                          <a:schemeClr val="accent4"/>
-                        </a:gs>
-                        <a:gs pos="4000">
-                          <a:schemeClr val="accent4">
-                            <a:lumMod val="60000"/>
-                            <a:lumOff val="40000"/>
-                          </a:schemeClr>
-                        </a:gs>
-                        <a:gs pos="87000">
-                          <a:schemeClr val="accent4">
-                            <a:lumMod val="20000"/>
-                            <a:lumOff val="80000"/>
-                          </a:schemeClr>
-                        </a:gs>
-                      </a:gsLst>
-                      <a:lin ang="5400000"/>
-                    </a:gradFill>
-                    <a:effectLst/>
-                  </a:endParaRPr>
-                </a:p>
-              </p:txBody>
-            </p:sp>
-          </p:grpSp>
-          <p:pic>
-            <p:nvPicPr>
-              <p:cNvPr id="27" name="그림 26"/>
-              <p:cNvPicPr>
-                <a:picLocks noChangeAspect="1"/>
-              </p:cNvPicPr>
-              <p:nvPr/>
-            </p:nvPicPr>
-            <p:blipFill>
-              <a:blip r:embed="rId5">
-                <a:extLst>
-                  <a:ext uri="{28A0092B-C50C-407E-A947-70E740481C1C}">
-                    <a14:useLocalDpi xmlns:a14="http://schemas.microsoft.com/office/drawing/2010/main" val="0"/>
-                  </a:ext>
-                </a:extLst>
-              </a:blip>
-              <a:stretch>
-                <a:fillRect/>
-              </a:stretch>
-            </p:blipFill>
-            <p:spPr>
-              <a:xfrm>
-                <a:off x="910977" y="-76730"/>
-                <a:ext cx="1085891" cy="1223538"/>
-              </a:xfrm>
-              <a:prstGeom prst="rect">
-                <a:avLst/>
-              </a:prstGeom>
-            </p:spPr>
-          </p:pic>
-        </p:grpSp>
-        <p:sp>
-          <p:nvSpPr>
-            <p:cNvPr id="22" name="TextBox 21"/>
-            <p:cNvSpPr txBox="1"/>
-            <p:nvPr/>
-          </p:nvSpPr>
-          <p:spPr>
-            <a:xfrm>
-              <a:off x="215109" y="856425"/>
-              <a:ext cx="1695622" cy="443361"/>
-            </a:xfrm>
-            <a:prstGeom prst="rect">
-              <a:avLst/>
-            </a:prstGeom>
-            <a:noFill/>
-          </p:spPr>
-          <p:txBody>
-            <a:bodyPr wrap="square" rtlCol="0">
-              <a:spAutoFit/>
-            </a:bodyPr>
-            <a:lstStyle/>
-            <a:p>
-              <a:r>
-                <a:rPr lang="en-US" altLang="ko-KR" sz="2000" i="1" dirty="0">
-                  <a:effectLst>
-                    <a:outerShdw blurRad="38100" dist="38100" dir="2700000" algn="tl">
-                      <a:srgbClr val="000000">
-                        <a:alpha val="43137"/>
-                      </a:srgbClr>
-                    </a:outerShdw>
-                  </a:effectLst>
-                </a:rPr>
-                <a:t>Hi-Pass</a:t>
-              </a:r>
-              <a:endParaRPr lang="ko-KR" altLang="en-US" sz="2000" i="1" dirty="0">
-                <a:effectLst>
-                  <a:outerShdw blurRad="38100" dist="38100" dir="2700000" algn="tl">
-                    <a:srgbClr val="000000">
-                      <a:alpha val="43137"/>
-                    </a:srgbClr>
-                  </a:outerShdw>
-                </a:effectLst>
-              </a:endParaRPr>
-            </a:p>
-          </p:txBody>
-        </p:sp>
-        <p:cxnSp>
-          <p:nvCxnSpPr>
-            <p:cNvPr id="23" name="직선 연결선 22"/>
-            <p:cNvCxnSpPr/>
-            <p:nvPr/>
-          </p:nvCxnSpPr>
-          <p:spPr>
-            <a:xfrm>
-              <a:off x="283776" y="437625"/>
-              <a:ext cx="1097763" cy="0"/>
-            </a:xfrm>
-            <a:prstGeom prst="line">
-              <a:avLst/>
-            </a:prstGeom>
-            <a:ln w="25400"/>
-          </p:spPr>
-          <p:style>
-            <a:lnRef idx="1">
-              <a:schemeClr val="accent1"/>
-            </a:lnRef>
-            <a:fillRef idx="0">
-              <a:schemeClr val="accent1"/>
-            </a:fillRef>
-            <a:effectRef idx="0">
-              <a:schemeClr val="accent1"/>
-            </a:effectRef>
-            <a:fontRef idx="minor">
-              <a:schemeClr val="tx1"/>
-            </a:fontRef>
-          </p:style>
-        </p:cxnSp>
-        <p:cxnSp>
-          <p:nvCxnSpPr>
-            <p:cNvPr id="24" name="직선 연결선 23"/>
-            <p:cNvCxnSpPr/>
-            <p:nvPr/>
-          </p:nvCxnSpPr>
-          <p:spPr>
-            <a:xfrm>
-              <a:off x="488724" y="632063"/>
-              <a:ext cx="1097763" cy="0"/>
-            </a:xfrm>
-            <a:prstGeom prst="line">
-              <a:avLst/>
-            </a:prstGeom>
-            <a:ln w="25400"/>
-          </p:spPr>
-          <p:style>
-            <a:lnRef idx="1">
-              <a:schemeClr val="accent1"/>
-            </a:lnRef>
-            <a:fillRef idx="0">
-              <a:schemeClr val="accent1"/>
-            </a:fillRef>
-            <a:effectRef idx="0">
-              <a:schemeClr val="accent1"/>
-            </a:effectRef>
-            <a:fontRef idx="minor">
-              <a:schemeClr val="tx1"/>
-            </a:fontRef>
-          </p:style>
-        </p:cxnSp>
-        <p:cxnSp>
-          <p:nvCxnSpPr>
-            <p:cNvPr id="25" name="직선 연결선 24"/>
-            <p:cNvCxnSpPr/>
-            <p:nvPr/>
-          </p:nvCxnSpPr>
-          <p:spPr>
-            <a:xfrm>
-              <a:off x="651641" y="826507"/>
-              <a:ext cx="1097763" cy="0"/>
-            </a:xfrm>
-            <a:prstGeom prst="line">
-              <a:avLst/>
-            </a:prstGeom>
-            <a:ln w="25400"/>
-          </p:spPr>
-          <p:style>
-            <a:lnRef idx="1">
-              <a:schemeClr val="accent1"/>
-            </a:lnRef>
-            <a:fillRef idx="0">
-              <a:schemeClr val="accent1"/>
-            </a:fillRef>
-            <a:effectRef idx="0">
-              <a:schemeClr val="accent1"/>
-            </a:effectRef>
-            <a:fontRef idx="minor">
-              <a:schemeClr val="tx1"/>
-            </a:fontRef>
-          </p:style>
-        </p:cxnSp>
-      </p:grpSp>
-      <p:sp>
-        <p:nvSpPr>
-          <p:cNvPr id="5" name="직사각형 4"/>
-          <p:cNvSpPr/>
-          <p:nvPr/>
-        </p:nvSpPr>
-        <p:spPr>
-          <a:xfrm>
-            <a:off x="24932" y="2298421"/>
-            <a:ext cx="4804520" cy="400110"/>
-          </a:xfrm>
-          <a:prstGeom prst="rect">
-            <a:avLst/>
-          </a:prstGeom>
-          <a:noFill/>
-        </p:spPr>
-        <p:txBody>
-          <a:bodyPr wrap="none" lIns="91440" tIns="45720" rIns="91440" bIns="45720">
-            <a:spAutoFit/>
-          </a:bodyPr>
-          <a:lstStyle/>
-          <a:p>
-            <a:pPr algn="ctr"/>
-            <a:r>
-              <a:rPr lang="ko-KR" altLang="en-US" sz="2000" b="0" cap="none" spc="0" dirty="0">
-                <a:ln w="0"/>
-                <a:solidFill>
-                  <a:schemeClr val="accent1"/>
-                </a:solidFill>
-                <a:effectLst>
-                  <a:outerShdw blurRad="38100" dist="25400" dir="5400000" algn="ctr" rotWithShape="0">
-                    <a:srgbClr val="6E747A">
-                      <a:alpha val="43000"/>
-                    </a:srgbClr>
-                  </a:outerShdw>
-                </a:effectLst>
-              </a:rPr>
-              <a:t>양감초등학교 </a:t>
-            </a:r>
-            <a:r>
-              <a:rPr lang="en-US" altLang="ko-KR" sz="2000" b="0" cap="none" spc="0" dirty="0">
-                <a:ln w="0"/>
-                <a:solidFill>
-                  <a:schemeClr val="accent1"/>
-                </a:solidFill>
-                <a:effectLst>
-                  <a:outerShdw blurRad="38100" dist="25400" dir="5400000" algn="ctr" rotWithShape="0">
-                    <a:srgbClr val="6E747A">
-                      <a:alpha val="43000"/>
-                    </a:srgbClr>
-                  </a:outerShdw>
-                </a:effectLst>
-              </a:rPr>
-              <a:t>4</a:t>
-            </a:r>
-            <a:r>
-              <a:rPr lang="ko-KR" altLang="en-US" sz="2000" b="0" cap="none" spc="0" dirty="0">
-                <a:ln w="0"/>
-                <a:solidFill>
-                  <a:schemeClr val="accent1"/>
-                </a:solidFill>
-                <a:effectLst>
-                  <a:outerShdw blurRad="38100" dist="25400" dir="5400000" algn="ctr" rotWithShape="0">
-                    <a:srgbClr val="6E747A">
-                      <a:alpha val="43000"/>
-                    </a:srgbClr>
-                  </a:outerShdw>
-                </a:effectLst>
-              </a:rPr>
-              <a:t>학년 </a:t>
-            </a:r>
-            <a:r>
-              <a:rPr lang="en-US" altLang="ko-KR" sz="2000" b="0" cap="none" spc="0" dirty="0">
-                <a:ln w="0"/>
-                <a:solidFill>
-                  <a:schemeClr val="accent1"/>
-                </a:solidFill>
-                <a:effectLst>
-                  <a:outerShdw blurRad="38100" dist="25400" dir="5400000" algn="ctr" rotWithShape="0">
-                    <a:srgbClr val="6E747A">
-                      <a:alpha val="43000"/>
-                    </a:srgbClr>
-                  </a:outerShdw>
-                </a:effectLst>
-              </a:rPr>
-              <a:t>1</a:t>
-            </a:r>
-            <a:r>
-              <a:rPr lang="ko-KR" altLang="en-US" sz="2000" b="0" cap="none" spc="0" dirty="0">
-                <a:ln w="0"/>
-                <a:solidFill>
-                  <a:schemeClr val="accent1"/>
-                </a:solidFill>
-                <a:effectLst>
-                  <a:outerShdw blurRad="38100" dist="25400" dir="5400000" algn="ctr" rotWithShape="0">
-                    <a:srgbClr val="6E747A">
-                      <a:alpha val="43000"/>
-                    </a:srgbClr>
-                  </a:outerShdw>
-                </a:effectLst>
-              </a:rPr>
-              <a:t>반 </a:t>
-            </a:r>
-            <a:r>
-              <a:rPr lang="en-US" altLang="ko-KR" sz="2000" b="0" cap="none" spc="0" dirty="0">
-                <a:ln w="0"/>
-                <a:solidFill>
-                  <a:schemeClr val="accent1"/>
-                </a:solidFill>
-                <a:effectLst>
-                  <a:outerShdw blurRad="38100" dist="25400" dir="5400000" algn="ctr" rotWithShape="0">
-                    <a:srgbClr val="6E747A">
-                      <a:alpha val="43000"/>
-                    </a:srgbClr>
-                  </a:outerShdw>
-                </a:effectLst>
-              </a:rPr>
-              <a:t>1</a:t>
-            </a:r>
-            <a:r>
-              <a:rPr lang="ko-KR" altLang="en-US" sz="2000" b="0" cap="none" spc="0" dirty="0">
-                <a:ln w="0"/>
-                <a:solidFill>
-                  <a:schemeClr val="accent1"/>
-                </a:solidFill>
-                <a:effectLst>
-                  <a:outerShdw blurRad="38100" dist="25400" dir="5400000" algn="ctr" rotWithShape="0">
-                    <a:srgbClr val="6E747A">
-                      <a:alpha val="43000"/>
-                    </a:srgbClr>
-                  </a:outerShdw>
-                </a:effectLst>
-              </a:rPr>
-              <a:t>번 </a:t>
-            </a:r>
-            <a:r>
-              <a:rPr lang="ko-KR" altLang="en-US" sz="2000" b="0" cap="none" spc="0" dirty="0" err="1">
-                <a:ln w="0"/>
-                <a:solidFill>
-                  <a:schemeClr val="accent1"/>
-                </a:solidFill>
-                <a:effectLst>
-                  <a:outerShdw blurRad="38100" dist="25400" dir="5400000" algn="ctr" rotWithShape="0">
-                    <a:srgbClr val="6E747A">
-                      <a:alpha val="43000"/>
-                    </a:srgbClr>
-                  </a:outerShdw>
-                </a:effectLst>
-              </a:rPr>
-              <a:t>김가가</a:t>
-            </a:r>
-            <a:r>
-              <a:rPr lang="en-US" altLang="ko-KR" sz="2000" b="0" cap="none" spc="0" dirty="0">
-                <a:ln w="0"/>
-                <a:solidFill>
-                  <a:schemeClr val="accent1"/>
-                </a:solidFill>
-                <a:effectLst>
-                  <a:outerShdw blurRad="38100" dist="25400" dir="5400000" algn="ctr" rotWithShape="0">
-                    <a:srgbClr val="6E747A">
-                      <a:alpha val="43000"/>
-                    </a:srgbClr>
-                  </a:outerShdw>
-                </a:effectLst>
-              </a:rPr>
-              <a:t>(</a:t>
-            </a:r>
-            <a:r>
-              <a:rPr lang="ko-KR" altLang="en-US" sz="2000" b="0" cap="none" spc="0" dirty="0">
-                <a:ln w="0"/>
-                <a:solidFill>
-                  <a:schemeClr val="accent1"/>
-                </a:solidFill>
-                <a:effectLst>
-                  <a:outerShdw blurRad="38100" dist="25400" dir="5400000" algn="ctr" rotWithShape="0">
-                    <a:srgbClr val="6E747A">
-                      <a:alpha val="43000"/>
-                    </a:srgbClr>
-                  </a:outerShdw>
-                </a:effectLst>
-              </a:rPr>
-              <a:t>여</a:t>
-            </a:r>
-            <a:r>
-              <a:rPr lang="en-US" altLang="ko-KR" sz="2000" b="0" cap="none" spc="0" dirty="0">
-                <a:ln w="0"/>
-                <a:solidFill>
-                  <a:schemeClr val="accent1"/>
-                </a:solidFill>
-                <a:effectLst>
-                  <a:outerShdw blurRad="38100" dist="25400" dir="5400000" algn="ctr" rotWithShape="0">
-                    <a:srgbClr val="6E747A">
-                      <a:alpha val="43000"/>
-                    </a:srgbClr>
-                  </a:outerShdw>
-                </a:effectLst>
-              </a:rPr>
-              <a:t>)</a:t>
-            </a:r>
-            <a:r>
-              <a:rPr lang="ko-KR" altLang="en-US" sz="2000" b="0" cap="none" spc="0" dirty="0">
-                <a:ln w="0"/>
-                <a:solidFill>
-                  <a:schemeClr val="accent1"/>
-                </a:solidFill>
-                <a:effectLst>
-                  <a:outerShdw blurRad="38100" dist="25400" dir="5400000" algn="ctr" rotWithShape="0">
-                    <a:srgbClr val="6E747A">
-                      <a:alpha val="43000"/>
-                    </a:srgbClr>
-                  </a:outerShdw>
-                </a:effectLst>
-              </a:rPr>
-              <a:t> </a:t>
-            </a:r>
-            <a:endParaRPr lang="en-US" altLang="ko-KR" sz="2000" b="0" cap="none" spc="0" dirty="0">
-              <a:ln w="0"/>
-              <a:solidFill>
-                <a:schemeClr val="accent1"/>
-              </a:solidFill>
-              <a:effectLst>
-                <a:outerShdw blurRad="38100" dist="25400" dir="5400000" algn="ctr" rotWithShape="0">
-                  <a:srgbClr val="6E747A">
-                    <a:alpha val="43000"/>
-                  </a:srgbClr>
-                </a:outerShdw>
-              </a:effectLst>
-            </a:endParaRPr>
-          </a:p>
-        </p:txBody>
-      </p:sp>
-      <p:sp>
-        <p:nvSpPr>
-          <p:cNvPr id="30" name="직사각형 29">
-            <a:hlinkClick r:id="rId6" action="ppaction://hlinksldjump"/>
-            <a:extLst>
-              <a:ext uri="{FF2B5EF4-FFF2-40B4-BE49-F238E27FC236}">
-                <a16:creationId xmlns:a16="http://schemas.microsoft.com/office/drawing/2014/main" id="{1FCD3923-75F8-4675-9486-66F2C3C30475}"/>
-              </a:ext>
-            </a:extLst>
-          </p:cNvPr>
-          <p:cNvSpPr/>
-          <p:nvPr/>
-        </p:nvSpPr>
-        <p:spPr>
-          <a:xfrm>
-            <a:off x="273379" y="5344860"/>
-            <a:ext cx="1961965" cy="1106307"/>
-          </a:xfrm>
-          <a:prstGeom prst="rect">
-            <a:avLst/>
-          </a:prstGeom>
-        </p:spPr>
-        <p:style>
-          <a:lnRef idx="2">
-            <a:schemeClr val="accent1">
-              <a:shade val="50000"/>
-            </a:schemeClr>
-          </a:lnRef>
-          <a:fillRef idx="1">
-            <a:schemeClr val="accent1"/>
-          </a:fillRef>
-          <a:effectRef idx="0">
-            <a:schemeClr val="accent1"/>
-          </a:effectRef>
-          <a:fontRef idx="minor">
-            <a:schemeClr val="lt1"/>
-          </a:fontRef>
-        </p:style>
-        <p:txBody>
-          <a:bodyPr rtlCol="0" anchor="ctr"/>
-          <a:lstStyle/>
-          <a:p>
-            <a:pPr algn="ctr"/>
-            <a:r>
-              <a:rPr lang="ko-KR" altLang="en-US" dirty="0"/>
-              <a:t>나의 기록</a:t>
-            </a:r>
-          </a:p>
-        </p:txBody>
-      </p:sp>
-      <p:sp>
-        <p:nvSpPr>
-          <p:cNvPr id="31" name="직사각형 30">
-            <a:hlinkClick r:id="rId7" action="ppaction://hlinksldjump"/>
-            <a:extLst>
-              <a:ext uri="{FF2B5EF4-FFF2-40B4-BE49-F238E27FC236}">
-                <a16:creationId xmlns:a16="http://schemas.microsoft.com/office/drawing/2014/main" id="{29CD9D53-1A57-4CD6-901D-1E71B3E482C9}"/>
-              </a:ext>
-            </a:extLst>
-          </p:cNvPr>
-          <p:cNvSpPr/>
-          <p:nvPr/>
-        </p:nvSpPr>
-        <p:spPr>
-          <a:xfrm>
-            <a:off x="2617203" y="5344860"/>
-            <a:ext cx="1961965" cy="1106307"/>
-          </a:xfrm>
-          <a:prstGeom prst="rect">
-            <a:avLst/>
-          </a:prstGeom>
-        </p:spPr>
-        <p:style>
-          <a:lnRef idx="2">
-            <a:schemeClr val="accent1">
-              <a:shade val="50000"/>
-            </a:schemeClr>
-          </a:lnRef>
-          <a:fillRef idx="1">
-            <a:schemeClr val="accent1"/>
-          </a:fillRef>
-          <a:effectRef idx="0">
-            <a:schemeClr val="accent1"/>
-          </a:effectRef>
-          <a:fontRef idx="minor">
-            <a:schemeClr val="lt1"/>
-          </a:fontRef>
-        </p:style>
-        <p:txBody>
-          <a:bodyPr rtlCol="0" anchor="ctr"/>
-          <a:lstStyle/>
-          <a:p>
-            <a:pPr algn="ctr"/>
-            <a:r>
-              <a:rPr lang="ko-KR" altLang="en-US" dirty="0"/>
-              <a:t>나의 미션</a:t>
-            </a:r>
-          </a:p>
-        </p:txBody>
-      </p:sp>
-      <p:sp>
-        <p:nvSpPr>
-          <p:cNvPr id="32" name="TextBox 31">
-            <a:extLst>
-              <a:ext uri="{FF2B5EF4-FFF2-40B4-BE49-F238E27FC236}">
-                <a16:creationId xmlns:a16="http://schemas.microsoft.com/office/drawing/2014/main" id="{72F7FB3A-4DDC-4EB4-B362-FE8748AA1C32}"/>
-              </a:ext>
-            </a:extLst>
-          </p:cNvPr>
-          <p:cNvSpPr txBox="1"/>
-          <p:nvPr/>
-        </p:nvSpPr>
-        <p:spPr>
-          <a:xfrm>
-            <a:off x="5242560" y="332521"/>
-            <a:ext cx="5709920" cy="4247317"/>
-          </a:xfrm>
-          <a:prstGeom prst="rect">
-            <a:avLst/>
-          </a:prstGeom>
-          <a:noFill/>
-        </p:spPr>
-        <p:txBody>
-          <a:bodyPr wrap="square" rtlCol="0">
-            <a:spAutoFit/>
-          </a:bodyPr>
-          <a:lstStyle/>
-          <a:p>
-            <a:pPr>
-              <a:lnSpc>
-                <a:spcPct val="150000"/>
-              </a:lnSpc>
-            </a:pPr>
-            <a:r>
-              <a:rPr lang="ko-KR" altLang="en-US" dirty="0"/>
-              <a:t>앞에서 로그인을 통해 들어오므로 기초정보는 없어도 되지 않을까 싶음</a:t>
-            </a:r>
-            <a:r>
-              <a:rPr lang="en-US" altLang="ko-KR" dirty="0"/>
-              <a:t>.</a:t>
-            </a:r>
-          </a:p>
-          <a:p>
-            <a:pPr>
-              <a:lnSpc>
-                <a:spcPct val="150000"/>
-              </a:lnSpc>
-            </a:pPr>
-            <a:endParaRPr lang="en-US" altLang="ko-KR" dirty="0"/>
-          </a:p>
-          <a:p>
-            <a:pPr>
-              <a:lnSpc>
-                <a:spcPct val="150000"/>
-              </a:lnSpc>
-            </a:pPr>
-            <a:r>
-              <a:rPr lang="ko-KR" altLang="en-US" dirty="0"/>
-              <a:t>홈 버튼을 누르면 여기로 옴</a:t>
-            </a:r>
-            <a:endParaRPr lang="en-US" altLang="ko-KR" dirty="0"/>
-          </a:p>
-          <a:p>
-            <a:pPr>
-              <a:lnSpc>
-                <a:spcPct val="150000"/>
-              </a:lnSpc>
-            </a:pPr>
-            <a:endParaRPr lang="en-US" altLang="ko-KR" dirty="0">
-              <a:solidFill>
-                <a:schemeClr val="accent1"/>
-              </a:solidFill>
-            </a:endParaRPr>
-          </a:p>
-          <a:p>
-            <a:pPr>
-              <a:lnSpc>
-                <a:spcPct val="150000"/>
-              </a:lnSpc>
-            </a:pPr>
-            <a:r>
-              <a:rPr lang="ko-KR" altLang="en-US" dirty="0">
-                <a:solidFill>
-                  <a:srgbClr val="FF0000"/>
-                </a:solidFill>
-              </a:rPr>
-              <a:t>팝스 클릭</a:t>
-            </a:r>
-            <a:endParaRPr lang="en-US" altLang="ko-KR" dirty="0">
-              <a:solidFill>
-                <a:srgbClr val="FF0000"/>
-              </a:solidFill>
-            </a:endParaRPr>
-          </a:p>
-          <a:p>
-            <a:pPr>
-              <a:lnSpc>
-                <a:spcPct val="150000"/>
-              </a:lnSpc>
-            </a:pPr>
-            <a:r>
-              <a:rPr lang="ko-KR" altLang="en-US" dirty="0" err="1">
-                <a:solidFill>
-                  <a:srgbClr val="FF0000"/>
-                </a:solidFill>
-              </a:rPr>
-              <a:t>체력업팁</a:t>
-            </a:r>
-            <a:r>
-              <a:rPr lang="ko-KR" altLang="en-US" dirty="0">
-                <a:solidFill>
-                  <a:srgbClr val="FF0000"/>
-                </a:solidFill>
-              </a:rPr>
-              <a:t> 클릭</a:t>
-            </a:r>
-            <a:endParaRPr lang="en-US" altLang="ko-KR" dirty="0">
-              <a:solidFill>
-                <a:srgbClr val="FF0000"/>
-              </a:solidFill>
-            </a:endParaRPr>
-          </a:p>
-          <a:p>
-            <a:pPr>
-              <a:lnSpc>
-                <a:spcPct val="150000"/>
-              </a:lnSpc>
-            </a:pPr>
-            <a:r>
-              <a:rPr lang="ko-KR" altLang="en-US" dirty="0">
-                <a:solidFill>
-                  <a:srgbClr val="FF0000"/>
-                </a:solidFill>
-              </a:rPr>
-              <a:t>와글와글 클릭</a:t>
-            </a:r>
-            <a:endParaRPr lang="en-US" altLang="ko-KR" dirty="0">
-              <a:solidFill>
-                <a:srgbClr val="FF0000"/>
-              </a:solidFill>
-            </a:endParaRPr>
-          </a:p>
-          <a:p>
-            <a:pPr>
-              <a:lnSpc>
-                <a:spcPct val="150000"/>
-              </a:lnSpc>
-            </a:pPr>
-            <a:r>
-              <a:rPr lang="ko-KR" altLang="en-US" dirty="0">
-                <a:solidFill>
-                  <a:srgbClr val="FF0000"/>
-                </a:solidFill>
-              </a:rPr>
-              <a:t>나의 기록 클릭</a:t>
-            </a:r>
-            <a:endParaRPr lang="en-US" altLang="ko-KR" dirty="0">
-              <a:solidFill>
-                <a:srgbClr val="FF0000"/>
-              </a:solidFill>
-            </a:endParaRPr>
-          </a:p>
-          <a:p>
-            <a:pPr>
-              <a:lnSpc>
-                <a:spcPct val="150000"/>
-              </a:lnSpc>
-            </a:pPr>
-            <a:r>
-              <a:rPr lang="ko-KR" altLang="en-US" dirty="0">
-                <a:solidFill>
-                  <a:srgbClr val="FF0000"/>
-                </a:solidFill>
-              </a:rPr>
-              <a:t>로그인 클릭</a:t>
-            </a:r>
-            <a:endParaRPr lang="en-US" altLang="ko-KR" dirty="0">
-              <a:solidFill>
-                <a:srgbClr val="FF0000"/>
-              </a:solidFill>
-            </a:endParaRPr>
-          </a:p>
-        </p:txBody>
-      </p:sp>
-    </p:spTree>
-    <p:extLst>
-      <p:ext uri="{BB962C8B-B14F-4D97-AF65-F5344CB8AC3E}">
-        <p14:creationId xmlns:p14="http://schemas.microsoft.com/office/powerpoint/2010/main" val="3132866088"/>
-      </p:ext>
-    </p:extLst>
-  </p:cSld>
-  <p:clrMapOvr>
-    <a:masterClrMapping/>
-  </p:clrMapOvr>
-</p:sld>
-</file>
-
-<file path=ppt/slides/slide20.xml><?xml version="1.0" encoding="utf-8"?>
+<file path=ppt/slides/slide21.xml><?xml version="1.0" encoding="utf-8"?>
 <p:sld xmlns:a="http://schemas.openxmlformats.org/drawingml/2006/main" xmlns:r="http://schemas.openxmlformats.org/officeDocument/2006/relationships" xmlns:p="http://schemas.openxmlformats.org/presentationml/2006/main">
   <p:cSld>
     <p:spTree>
@@ -22636,7 +24174,7 @@
 </p:sld>
 </file>
 
-<file path=ppt/slides/slide21.xml><?xml version="1.0" encoding="utf-8"?>
+<file path=ppt/slides/slide22.xml><?xml version="1.0" encoding="utf-8"?>
 <p:sld xmlns:a="http://schemas.openxmlformats.org/drawingml/2006/main" xmlns:r="http://schemas.openxmlformats.org/officeDocument/2006/relationships" xmlns:p="http://schemas.openxmlformats.org/presentationml/2006/main">
   <p:cSld>
     <p:spTree>
@@ -24349,7 +25887,7 @@
           <a:p>
             <a:pPr algn="ctr"/>
             <a:r>
-              <a:rPr lang="ko-KR" altLang="en-US" sz="5400" b="1" cap="none" spc="0">
+              <a:rPr lang="ko-KR" altLang="en-US" sz="5400" b="1" cap="none" spc="0" dirty="0">
                 <a:ln w="13462">
                   <a:solidFill>
                     <a:schemeClr val="bg1"/>
